--- a/src/assets/ppt/Angular Traning_v2.pptx
+++ b/src/assets/ppt/Angular Traning_v2.pptx
@@ -361,7 +361,7 @@
               <a:pPr>
                 <a:defRPr/>
               </a:pPr>
-              <a:t>11/8/2020</a:t>
+              <a:t>11/10/2020</a:t>
             </a:fld>
             <a:endParaRPr lang="en-IN"/>
           </a:p>
@@ -553,7 +553,7 @@
               <a:pPr>
                 <a:defRPr/>
               </a:pPr>
-              <a:t>11/8/2020</a:t>
+              <a:t>11/10/2020</a:t>
             </a:fld>
             <a:endParaRPr lang="en-IN"/>
           </a:p>
@@ -755,7 +755,7 @@
               <a:pPr>
                 <a:defRPr/>
               </a:pPr>
-              <a:t>11/8/2020</a:t>
+              <a:t>11/10/2020</a:t>
             </a:fld>
             <a:endParaRPr lang="en-IN"/>
           </a:p>
@@ -947,7 +947,7 @@
               <a:pPr>
                 <a:defRPr/>
               </a:pPr>
-              <a:t>11/8/2020</a:t>
+              <a:t>11/10/2020</a:t>
             </a:fld>
             <a:endParaRPr lang="en-IN"/>
           </a:p>
@@ -1213,7 +1213,7 @@
               <a:pPr>
                 <a:defRPr/>
               </a:pPr>
-              <a:t>11/8/2020</a:t>
+              <a:t>11/10/2020</a:t>
             </a:fld>
             <a:endParaRPr lang="en-IN"/>
           </a:p>
@@ -1499,7 +1499,7 @@
               <a:pPr>
                 <a:defRPr/>
               </a:pPr>
-              <a:t>11/8/2020</a:t>
+              <a:t>11/10/2020</a:t>
             </a:fld>
             <a:endParaRPr lang="en-IN"/>
           </a:p>
@@ -1900,7 +1900,7 @@
               <a:pPr>
                 <a:defRPr/>
               </a:pPr>
-              <a:t>11/8/2020</a:t>
+              <a:t>11/10/2020</a:t>
             </a:fld>
             <a:endParaRPr lang="en-IN"/>
           </a:p>
@@ -2040,7 +2040,7 @@
               <a:pPr>
                 <a:defRPr/>
               </a:pPr>
-              <a:t>11/8/2020</a:t>
+              <a:t>11/10/2020</a:t>
             </a:fld>
             <a:endParaRPr lang="en-IN"/>
           </a:p>
@@ -2157,7 +2157,7 @@
               <a:pPr>
                 <a:defRPr/>
               </a:pPr>
-              <a:t>11/8/2020</a:t>
+              <a:t>11/10/2020</a:t>
             </a:fld>
             <a:endParaRPr lang="en-IN"/>
           </a:p>
@@ -2441,7 +2441,7 @@
               <a:pPr>
                 <a:defRPr/>
               </a:pPr>
-              <a:t>11/8/2020</a:t>
+              <a:t>11/10/2020</a:t>
             </a:fld>
             <a:endParaRPr lang="en-IN"/>
           </a:p>
@@ -2720,7 +2720,7 @@
               <a:pPr>
                 <a:defRPr/>
               </a:pPr>
-              <a:t>11/8/2020</a:t>
+              <a:t>11/10/2020</a:t>
             </a:fld>
             <a:endParaRPr lang="en-IN"/>
           </a:p>
@@ -2968,7 +2968,7 @@
               <a:pPr>
                 <a:defRPr/>
               </a:pPr>
-              <a:t>11/8/2020</a:t>
+              <a:t>11/10/2020</a:t>
             </a:fld>
             <a:endParaRPr lang="en-IN"/>
           </a:p>
@@ -3907,7 +3907,7 @@
               <a:t>To define module, we can use the </a:t>
             </a:r>
             <a:r>
-              <a:rPr lang="en-IN" sz="1600" b="1" dirty="0" err="1" smtClean="0"/>
+              <a:rPr lang="en-IN" sz="1600" b="1" dirty="0" smtClean="0"/>
               <a:t>NgModule</a:t>
             </a:r>
             <a:r>
@@ -3942,23 +3942,7 @@
                   <a:srgbClr val="0070C0"/>
                 </a:solidFill>
               </a:rPr>
-              <a:t>@</a:t>
-            </a:r>
-            <a:r>
-              <a:rPr lang="en-IN" sz="1600" dirty="0" err="1" smtClean="0">
-                <a:solidFill>
-                  <a:srgbClr val="0070C0"/>
-                </a:solidFill>
-              </a:rPr>
-              <a:t>NgModule</a:t>
-            </a:r>
-            <a:r>
-              <a:rPr lang="en-IN" sz="1600" dirty="0" smtClean="0">
-                <a:solidFill>
-                  <a:srgbClr val="0070C0"/>
-                </a:solidFill>
-              </a:rPr>
-              <a:t>({</a:t>
+              <a:t>@NgModule({</a:t>
             </a:r>
           </a:p>
           <a:p>
@@ -4250,12 +4234,12 @@
         <p:spPr>
           <a:xfrm>
             <a:off x="457200" y="642918"/>
-            <a:ext cx="8229600" cy="5929332"/>
+            <a:ext cx="8472518" cy="6000792"/>
           </a:xfrm>
         </p:spPr>
         <p:txBody>
           <a:bodyPr>
-            <a:normAutofit/>
+            <a:normAutofit fontScale="92500" lnSpcReduction="10000"/>
           </a:bodyPr>
           <a:lstStyle/>
           <a:p>
@@ -4321,8 +4305,21 @@
                   <a:srgbClr val="002060"/>
                 </a:solidFill>
               </a:rPr>
-              <a:t>Metadata</a:t>
-            </a:r>
+              <a:t>Metadata </a:t>
+            </a:r>
+            <a:r>
+              <a:rPr lang="en-IN" sz="1600" b="1" u="sng" dirty="0" smtClean="0">
+                <a:solidFill>
+                  <a:srgbClr val="002060"/>
+                </a:solidFill>
+              </a:rPr>
+              <a:t> and Decorator </a:t>
+            </a:r>
+            <a:endParaRPr lang="en-IN" sz="1600" b="1" u="sng" dirty="0" smtClean="0">
+              <a:solidFill>
+                <a:srgbClr val="002060"/>
+              </a:solidFill>
+            </a:endParaRPr>
           </a:p>
           <a:p>
             <a:pPr marL="548640" indent="-411480" eaLnBrk="1" fontAlgn="auto" hangingPunct="1">
@@ -4340,7 +4337,19 @@
             </a:pPr>
             <a:r>
               <a:rPr lang="en-IN" sz="1600" dirty="0" smtClean="0"/>
-              <a:t>Decorators are the metadata in Angular. It is used to enhance the class so it can configure the expected behavior of a class. Developers are the core concept of when developing with Angular. User can use metadata in a class to tell Angular app that app component is a component. Metadata can attach to the Typescript through the decorator. </a:t>
+              <a:t>Metadata is a way of processing the class and a component called </a:t>
+            </a:r>
+            <a:r>
+              <a:rPr lang="en-IN" sz="1600" dirty="0" smtClean="0"/>
+              <a:t>My Component </a:t>
+            </a:r>
+            <a:r>
+              <a:rPr lang="en-IN" sz="1600" dirty="0" smtClean="0"/>
+              <a:t>will act as </a:t>
+            </a:r>
+            <a:r>
+              <a:rPr lang="en-IN" sz="1600" dirty="0" smtClean="0"/>
+              <a:t>a class until we tell Angular that it's a component. User can use metadata to the class to tell Angular that My Component is a component. Metadata can be attached to TypeScript using a decorator.</a:t>
             </a:r>
           </a:p>
           <a:p>
@@ -4357,9 +4366,140 @@
               <a:buNone/>
               <a:defRPr/>
             </a:pPr>
+            <a:endParaRPr lang="en-IN" sz="1600" b="1" u="sng" dirty="0" smtClean="0">
+              <a:solidFill>
+                <a:srgbClr val="002060"/>
+              </a:solidFill>
+            </a:endParaRPr>
+          </a:p>
+          <a:p>
+            <a:pPr>
+              <a:buNone/>
+            </a:pPr>
             <a:r>
               <a:rPr lang="en-IN" sz="1600" dirty="0" smtClean="0"/>
-              <a:t>Modules, components and services are classes that use decorators. These decorators mark their type and provide metadata that tells Angular how to use them.</a:t>
+              <a:t> A </a:t>
+            </a:r>
+            <a:r>
+              <a:rPr lang="en-IN" sz="1600" b="1" dirty="0" smtClean="0"/>
+              <a:t>decorator</a:t>
+            </a:r>
+            <a:r>
+              <a:rPr lang="en-IN" sz="1600" dirty="0" smtClean="0"/>
+              <a:t> is a function that adds metadata to a class, its members, or its method arguments. A decorator is just a function that gives you access to the target that needs to be decorated</a:t>
+            </a:r>
+            <a:r>
+              <a:rPr lang="en-IN" sz="1600" dirty="0" smtClean="0"/>
+              <a:t>.</a:t>
+            </a:r>
+            <a:r>
+              <a:rPr lang="en-IN" sz="1600" dirty="0" smtClean="0"/>
+              <a:t> </a:t>
+            </a:r>
+            <a:endParaRPr lang="en-IN" sz="1600" dirty="0" smtClean="0"/>
+          </a:p>
+          <a:p>
+            <a:pPr>
+              <a:buNone/>
+            </a:pPr>
+            <a:r>
+              <a:rPr lang="en-IN" sz="1600" dirty="0" smtClean="0"/>
+              <a:t>There </a:t>
+            </a:r>
+            <a:r>
+              <a:rPr lang="en-IN" sz="1600" dirty="0" smtClean="0"/>
+              <a:t>are four type of decorators all of them </a:t>
+            </a:r>
+            <a:r>
+              <a:rPr lang="en-IN" sz="1600" dirty="0" smtClean="0"/>
+              <a:t>are </a:t>
+            </a:r>
+            <a:r>
+              <a:rPr lang="en-IN" sz="1600" dirty="0" smtClean="0"/>
+              <a:t>mentioned below</a:t>
+            </a:r>
+            <a:r>
+              <a:rPr lang="en-IN" sz="1600" dirty="0" smtClean="0"/>
+              <a:t> </a:t>
+            </a:r>
+          </a:p>
+          <a:p>
+            <a:pPr>
+              <a:buNone/>
+            </a:pPr>
+            <a:r>
+              <a:rPr lang="en-IN" sz="1600" b="1" dirty="0" smtClean="0"/>
+              <a:t>Types </a:t>
+            </a:r>
+            <a:r>
+              <a:rPr lang="en-IN" sz="1600" b="1" dirty="0" smtClean="0"/>
+              <a:t>of Decorators:</a:t>
+            </a:r>
+            <a:endParaRPr lang="en-IN" sz="1600" dirty="0" smtClean="0"/>
+          </a:p>
+          <a:p>
+            <a:r>
+              <a:rPr lang="en-IN" sz="1600" dirty="0" smtClean="0"/>
+              <a:t>Class decorators like @Component, @NgModule</a:t>
+            </a:r>
+          </a:p>
+          <a:p>
+            <a:r>
+              <a:rPr lang="en-IN" sz="1600" dirty="0" smtClean="0"/>
+              <a:t>Property decorators like @Input and @Output</a:t>
+            </a:r>
+          </a:p>
+          <a:p>
+            <a:r>
+              <a:rPr lang="en-IN" sz="1600" dirty="0" smtClean="0"/>
+              <a:t>Method decorators like @HostListener</a:t>
+            </a:r>
+          </a:p>
+          <a:p>
+            <a:r>
+              <a:rPr lang="en-IN" sz="1600" dirty="0" smtClean="0"/>
+              <a:t>Parameter decorators like @Injectable</a:t>
+            </a:r>
+          </a:p>
+          <a:p>
+            <a:pPr>
+              <a:buNone/>
+            </a:pPr>
+            <a:r>
+              <a:rPr lang="en-IN" sz="1600" b="1" dirty="0" smtClean="0"/>
+              <a:t>Features of Decorators:</a:t>
+            </a:r>
+            <a:endParaRPr lang="en-IN" sz="1600" dirty="0" smtClean="0"/>
+          </a:p>
+          <a:p>
+            <a:r>
+              <a:rPr lang="en-IN" sz="1600" dirty="0" smtClean="0"/>
+              <a:t>Decorators are predefined in </a:t>
+            </a:r>
+            <a:r>
+              <a:rPr lang="en-IN" sz="1600" dirty="0" smtClean="0"/>
+              <a:t>Angular.</a:t>
+            </a:r>
+            <a:endParaRPr lang="en-IN" sz="1600" dirty="0" smtClean="0"/>
+          </a:p>
+          <a:p>
+            <a:r>
+              <a:rPr lang="en-IN" sz="1600" dirty="0" smtClean="0"/>
+              <a:t>Decorators are used by TypeScript compiler.</a:t>
+            </a:r>
+          </a:p>
+          <a:p>
+            <a:r>
+              <a:rPr lang="en-IN" sz="1600" dirty="0" smtClean="0"/>
+              <a:t>Decorators are used to attach metadata to a </a:t>
+            </a:r>
+            <a:r>
+              <a:rPr lang="en-IN" sz="1600" dirty="0" smtClean="0"/>
+              <a:t>class, objects </a:t>
+            </a:r>
+            <a:r>
+              <a:rPr lang="en-IN" sz="1600" dirty="0" smtClean="0"/>
+              <a:t>and method.</a:t>
             </a:r>
           </a:p>
           <a:p>
@@ -4377,91 +4517,6 @@
               <a:defRPr/>
             </a:pPr>
             <a:endParaRPr lang="en-IN" sz="1600" dirty="0" smtClean="0"/>
-          </a:p>
-          <a:p>
-            <a:pPr marL="548640" indent="-411480" eaLnBrk="1" fontAlgn="auto" hangingPunct="1">
-              <a:spcAft>
-                <a:spcPts val="0"/>
-              </a:spcAft>
-              <a:buClr>
-                <a:schemeClr val="tx1">
-                  <a:shade val="95000"/>
-                </a:schemeClr>
-              </a:buClr>
-              <a:buFont typeface="Arial" charset="0"/>
-              <a:buNone/>
-              <a:defRPr/>
-            </a:pPr>
-            <a:r>
-              <a:rPr lang="en-IN" sz="1600" dirty="0" smtClean="0"/>
-              <a:t>The metadata for a component class associates it with a template that defines a view. A template combines ordinary HTML with Angular directives and binding markup that allow Angular to modify the HTML before rendering it for display.</a:t>
-            </a:r>
-          </a:p>
-          <a:p>
-            <a:pPr marL="548640" indent="-411480" eaLnBrk="1" fontAlgn="auto" hangingPunct="1">
-              <a:spcAft>
-                <a:spcPts val="0"/>
-              </a:spcAft>
-              <a:buClr>
-                <a:schemeClr val="tx1">
-                  <a:shade val="95000"/>
-                </a:schemeClr>
-              </a:buClr>
-              <a:buFont typeface="Arial" charset="0"/>
-              <a:buNone/>
-              <a:defRPr/>
-            </a:pPr>
-            <a:endParaRPr lang="en-IN" sz="1600" dirty="0" smtClean="0"/>
-          </a:p>
-          <a:p>
-            <a:pPr marL="548640" indent="-411480" eaLnBrk="1" fontAlgn="auto" hangingPunct="1">
-              <a:spcAft>
-                <a:spcPts val="0"/>
-              </a:spcAft>
-              <a:buClr>
-                <a:schemeClr val="tx1">
-                  <a:shade val="95000"/>
-                </a:schemeClr>
-              </a:buClr>
-              <a:buFont typeface="Arial" charset="0"/>
-              <a:buNone/>
-              <a:defRPr/>
-            </a:pPr>
-            <a:r>
-              <a:rPr lang="en-IN" sz="1600" dirty="0" smtClean="0"/>
-              <a:t>The metadata for a service class provides the information Angular needs to make it available to components through dependency injection (DI).</a:t>
-            </a:r>
-          </a:p>
-          <a:p>
-            <a:pPr marL="548640" indent="-411480" eaLnBrk="1" fontAlgn="auto" hangingPunct="1">
-              <a:spcAft>
-                <a:spcPts val="0"/>
-              </a:spcAft>
-              <a:buClr>
-                <a:schemeClr val="tx1">
-                  <a:shade val="95000"/>
-                </a:schemeClr>
-              </a:buClr>
-              <a:buFont typeface="Arial" charset="0"/>
-              <a:buNone/>
-              <a:defRPr/>
-            </a:pPr>
-            <a:r>
-              <a:rPr lang="en-IN" sz="1600" dirty="0" smtClean="0"/>
-              <a:t>e.g . </a:t>
-            </a:r>
-            <a:r>
-              <a:rPr lang="en-IN" sz="1600" dirty="0" smtClean="0">
-                <a:solidFill>
-                  <a:srgbClr val="002060"/>
-                </a:solidFill>
-              </a:rPr>
-              <a:t>@Component ,@Directive </a:t>
-            </a:r>
-            <a:r>
-              <a:rPr lang="en-IN" sz="1600" dirty="0" smtClean="0"/>
-              <a:t>etc</a:t>
-            </a:r>
           </a:p>
         </p:txBody>
       </p:sp>
@@ -6765,20 +6820,36 @@
               <a:buNone/>
             </a:pPr>
             <a:r>
-              <a:rPr lang="en-IN" sz="1600" smtClean="0">
-                <a:solidFill>
-                  <a:srgbClr val="0070C0"/>
-                </a:solidFill>
-              </a:rPr>
-              <a:t>import { Directive, ElementRef, HostListener } from '@angular/core';</a:t>
-            </a:r>
-          </a:p>
-          <a:p>
-            <a:pPr eaLnBrk="1" hangingPunct="1">
-              <a:buFont typeface="Arial" charset="0"/>
-              <a:buNone/>
-            </a:pPr>
-            <a:endParaRPr lang="en-IN" sz="1600" smtClean="0">
+              <a:rPr lang="en-IN" sz="1600" dirty="0" smtClean="0">
+                <a:solidFill>
+                  <a:srgbClr val="0070C0"/>
+                </a:solidFill>
+              </a:rPr>
+              <a:t>import { Directive, </a:t>
+            </a:r>
+            <a:r>
+              <a:rPr lang="en-IN" sz="1600" dirty="0" err="1" smtClean="0">
+                <a:solidFill>
+                  <a:srgbClr val="0070C0"/>
+                </a:solidFill>
+              </a:rPr>
+              <a:t>ElementRef</a:t>
+            </a:r>
+            <a:r>
+              <a:rPr lang="en-IN" sz="1600" dirty="0" smtClean="0">
+                <a:solidFill>
+                  <a:srgbClr val="0070C0"/>
+                </a:solidFill>
+              </a:rPr>
+              <a:t>, HostListener } from '@angular/core';</a:t>
+            </a:r>
+          </a:p>
+          <a:p>
+            <a:pPr eaLnBrk="1" hangingPunct="1">
+              <a:buFont typeface="Arial" charset="0"/>
+              <a:buNone/>
+            </a:pPr>
+            <a:endParaRPr lang="en-IN" sz="1600" dirty="0" smtClean="0">
               <a:solidFill>
                 <a:srgbClr val="0070C0"/>
               </a:solidFill>
@@ -6790,7 +6861,7 @@
               <a:buNone/>
             </a:pPr>
             <a:r>
-              <a:rPr lang="en-IN" sz="1600" smtClean="0">
+              <a:rPr lang="en-IN" sz="1600" dirty="0" smtClean="0">
                 <a:solidFill>
                   <a:srgbClr val="0070C0"/>
                 </a:solidFill>
@@ -6804,21 +6875,37 @@
               <a:buNone/>
             </a:pPr>
             <a:r>
-              <a:rPr lang="en-IN" sz="1600" smtClean="0">
-                <a:solidFill>
-                  <a:srgbClr val="0070C0"/>
-                </a:solidFill>
-              </a:rPr>
-              <a:t>  selector: '[appHighlight]'</a:t>
-            </a:r>
-          </a:p>
-          <a:p>
-            <a:pPr eaLnBrk="1" hangingPunct="1">
-              <a:buFont typeface="Arial" charset="0"/>
-              <a:buNone/>
-            </a:pPr>
-            <a:r>
-              <a:rPr lang="en-IN" sz="1600" smtClean="0">
+              <a:rPr lang="en-IN" sz="1600" dirty="0" smtClean="0">
+                <a:solidFill>
+                  <a:srgbClr val="0070C0"/>
+                </a:solidFill>
+              </a:rPr>
+              <a:t>  selector: '[</a:t>
+            </a:r>
+            <a:r>
+              <a:rPr lang="en-IN" sz="1600" dirty="0" err="1" smtClean="0">
+                <a:solidFill>
+                  <a:srgbClr val="0070C0"/>
+                </a:solidFill>
+              </a:rPr>
+              <a:t>appHighlight</a:t>
+            </a:r>
+            <a:r>
+              <a:rPr lang="en-IN" sz="1600" dirty="0" smtClean="0">
+                <a:solidFill>
+                  <a:srgbClr val="0070C0"/>
+                </a:solidFill>
+              </a:rPr>
+              <a:t>]'</a:t>
+            </a:r>
+          </a:p>
+          <a:p>
+            <a:pPr eaLnBrk="1" hangingPunct="1">
+              <a:buFont typeface="Arial" charset="0"/>
+              <a:buNone/>
+            </a:pPr>
+            <a:r>
+              <a:rPr lang="en-IN" sz="1600" dirty="0" smtClean="0">
                 <a:solidFill>
                   <a:srgbClr val="0070C0"/>
                 </a:solidFill>
@@ -6832,34 +6919,66 @@
               <a:buNone/>
             </a:pPr>
             <a:r>
-              <a:rPr lang="en-IN" sz="1600" smtClean="0">
-                <a:solidFill>
-                  <a:srgbClr val="0070C0"/>
-                </a:solidFill>
-              </a:rPr>
-              <a:t>export class HighlightDirective {</a:t>
-            </a:r>
-          </a:p>
-          <a:p>
-            <a:pPr eaLnBrk="1" hangingPunct="1">
-              <a:buFont typeface="Arial" charset="0"/>
-              <a:buNone/>
-            </a:pPr>
-            <a:r>
-              <a:rPr lang="en-IN" sz="1600" smtClean="0">
-                <a:solidFill>
-                  <a:srgbClr val="0070C0"/>
-                </a:solidFill>
-              </a:rPr>
-              <a:t>  constructor(private el: ElementRef) { }</a:t>
-            </a:r>
-          </a:p>
-          <a:p>
-            <a:pPr eaLnBrk="1" hangingPunct="1">
-              <a:buFont typeface="Arial" charset="0"/>
-              <a:buNone/>
-            </a:pPr>
-            <a:endParaRPr lang="en-IN" sz="1600" smtClean="0">
+              <a:rPr lang="en-IN" sz="1600" dirty="0" smtClean="0">
+                <a:solidFill>
+                  <a:srgbClr val="0070C0"/>
+                </a:solidFill>
+              </a:rPr>
+              <a:t>export class </a:t>
+            </a:r>
+            <a:r>
+              <a:rPr lang="en-IN" sz="1600" dirty="0" err="1" smtClean="0">
+                <a:solidFill>
+                  <a:srgbClr val="0070C0"/>
+                </a:solidFill>
+              </a:rPr>
+              <a:t>HighlightDirective</a:t>
+            </a:r>
+            <a:r>
+              <a:rPr lang="en-IN" sz="1600" dirty="0" smtClean="0">
+                <a:solidFill>
+                  <a:srgbClr val="0070C0"/>
+                </a:solidFill>
+              </a:rPr>
+              <a:t> {</a:t>
+            </a:r>
+          </a:p>
+          <a:p>
+            <a:pPr eaLnBrk="1" hangingPunct="1">
+              <a:buFont typeface="Arial" charset="0"/>
+              <a:buNone/>
+            </a:pPr>
+            <a:r>
+              <a:rPr lang="en-IN" sz="1600" dirty="0" smtClean="0">
+                <a:solidFill>
+                  <a:srgbClr val="0070C0"/>
+                </a:solidFill>
+              </a:rPr>
+              <a:t>  constructor(private el: </a:t>
+            </a:r>
+            <a:r>
+              <a:rPr lang="en-IN" sz="1600" dirty="0" err="1" smtClean="0">
+                <a:solidFill>
+                  <a:srgbClr val="0070C0"/>
+                </a:solidFill>
+              </a:rPr>
+              <a:t>ElementRef</a:t>
+            </a:r>
+            <a:r>
+              <a:rPr lang="en-IN" sz="1600" dirty="0" smtClean="0">
+                <a:solidFill>
+                  <a:srgbClr val="0070C0"/>
+                </a:solidFill>
+              </a:rPr>
+              <a:t>) { }</a:t>
+            </a:r>
+          </a:p>
+          <a:p>
+            <a:pPr eaLnBrk="1" hangingPunct="1">
+              <a:buFont typeface="Arial" charset="0"/>
+              <a:buNone/>
+            </a:pPr>
+            <a:endParaRPr lang="en-IN" sz="1600" dirty="0" smtClean="0">
               <a:solidFill>
                 <a:srgbClr val="0070C0"/>
               </a:solidFill>
@@ -6871,35 +6990,83 @@
               <a:buNone/>
             </a:pPr>
             <a:r>
-              <a:rPr lang="en-IN" sz="1600" smtClean="0">
-                <a:solidFill>
-                  <a:srgbClr val="0070C0"/>
-                </a:solidFill>
-              </a:rPr>
-              <a:t>  @HostListener('mouseenter') onMouseEnter() {</a:t>
-            </a:r>
-          </a:p>
-          <a:p>
-            <a:pPr eaLnBrk="1" hangingPunct="1">
-              <a:buFont typeface="Arial" charset="0"/>
-              <a:buNone/>
-            </a:pPr>
-            <a:r>
-              <a:rPr lang="en-IN" sz="1600" smtClean="0">
-                <a:solidFill>
-                  <a:srgbClr val="0070C0"/>
-                </a:solidFill>
-              </a:rPr>
-              <a:t>    this.highlight('yellow');</a:t>
-            </a:r>
-          </a:p>
-          <a:p>
-            <a:pPr eaLnBrk="1" hangingPunct="1">
-              <a:buFont typeface="Arial" charset="0"/>
-              <a:buNone/>
-            </a:pPr>
-            <a:r>
-              <a:rPr lang="en-IN" sz="1600" smtClean="0">
+              <a:rPr lang="en-IN" sz="1600" dirty="0" smtClean="0">
+                <a:solidFill>
+                  <a:srgbClr val="0070C0"/>
+                </a:solidFill>
+              </a:rPr>
+              <a:t>  @HostListener('</a:t>
+            </a:r>
+            <a:r>
+              <a:rPr lang="en-IN" sz="1600" dirty="0" err="1" smtClean="0">
+                <a:solidFill>
+                  <a:srgbClr val="0070C0"/>
+                </a:solidFill>
+              </a:rPr>
+              <a:t>mouseenter</a:t>
+            </a:r>
+            <a:r>
+              <a:rPr lang="en-IN" sz="1600" dirty="0" smtClean="0">
+                <a:solidFill>
+                  <a:srgbClr val="0070C0"/>
+                </a:solidFill>
+              </a:rPr>
+              <a:t>') </a:t>
+            </a:r>
+            <a:r>
+              <a:rPr lang="en-IN" sz="1600" dirty="0" err="1" smtClean="0">
+                <a:solidFill>
+                  <a:srgbClr val="0070C0"/>
+                </a:solidFill>
+              </a:rPr>
+              <a:t>onMouseEnter</a:t>
+            </a:r>
+            <a:r>
+              <a:rPr lang="en-IN" sz="1600" dirty="0" smtClean="0">
+                <a:solidFill>
+                  <a:srgbClr val="0070C0"/>
+                </a:solidFill>
+              </a:rPr>
+              <a:t>() {</a:t>
+            </a:r>
+          </a:p>
+          <a:p>
+            <a:pPr eaLnBrk="1" hangingPunct="1">
+              <a:buFont typeface="Arial" charset="0"/>
+              <a:buNone/>
+            </a:pPr>
+            <a:r>
+              <a:rPr lang="en-IN" sz="1600" dirty="0" smtClean="0">
+                <a:solidFill>
+                  <a:srgbClr val="0070C0"/>
+                </a:solidFill>
+              </a:rPr>
+              <a:t>    </a:t>
+            </a:r>
+            <a:r>
+              <a:rPr lang="en-IN" sz="1600" dirty="0" err="1" smtClean="0">
+                <a:solidFill>
+                  <a:srgbClr val="0070C0"/>
+                </a:solidFill>
+              </a:rPr>
+              <a:t>this.highlight</a:t>
+            </a:r>
+            <a:r>
+              <a:rPr lang="en-IN" sz="1600" dirty="0" smtClean="0">
+                <a:solidFill>
+                  <a:srgbClr val="0070C0"/>
+                </a:solidFill>
+              </a:rPr>
+              <a:t>('yellow');</a:t>
+            </a:r>
+          </a:p>
+          <a:p>
+            <a:pPr eaLnBrk="1" hangingPunct="1">
+              <a:buFont typeface="Arial" charset="0"/>
+              <a:buNone/>
+            </a:pPr>
+            <a:r>
+              <a:rPr lang="en-IN" sz="1600" dirty="0" smtClean="0">
                 <a:solidFill>
                   <a:srgbClr val="0070C0"/>
                 </a:solidFill>
@@ -6912,7 +7079,7 @@
               <a:buFont typeface="Arial" charset="0"/>
               <a:buNone/>
             </a:pPr>
-            <a:endParaRPr lang="en-IN" sz="1600" smtClean="0">
+            <a:endParaRPr lang="en-IN" sz="1600" dirty="0" smtClean="0">
               <a:solidFill>
                 <a:srgbClr val="0070C0"/>
               </a:solidFill>
@@ -6924,35 +7091,83 @@
               <a:buNone/>
             </a:pPr>
             <a:r>
-              <a:rPr lang="en-IN" sz="1600" smtClean="0">
-                <a:solidFill>
-                  <a:srgbClr val="0070C0"/>
-                </a:solidFill>
-              </a:rPr>
-              <a:t>  @HostListener('mouseleave') onMouseLeave() {</a:t>
-            </a:r>
-          </a:p>
-          <a:p>
-            <a:pPr eaLnBrk="1" hangingPunct="1">
-              <a:buFont typeface="Arial" charset="0"/>
-              <a:buNone/>
-            </a:pPr>
-            <a:r>
-              <a:rPr lang="en-IN" sz="1600" smtClean="0">
-                <a:solidFill>
-                  <a:srgbClr val="0070C0"/>
-                </a:solidFill>
-              </a:rPr>
-              <a:t>    this.highlight(null);</a:t>
-            </a:r>
-          </a:p>
-          <a:p>
-            <a:pPr eaLnBrk="1" hangingPunct="1">
-              <a:buFont typeface="Arial" charset="0"/>
-              <a:buNone/>
-            </a:pPr>
-            <a:r>
-              <a:rPr lang="en-IN" sz="1600" smtClean="0">
+              <a:rPr lang="en-IN" sz="1600" dirty="0" smtClean="0">
+                <a:solidFill>
+                  <a:srgbClr val="0070C0"/>
+                </a:solidFill>
+              </a:rPr>
+              <a:t>  @HostListener('</a:t>
+            </a:r>
+            <a:r>
+              <a:rPr lang="en-IN" sz="1600" dirty="0" err="1" smtClean="0">
+                <a:solidFill>
+                  <a:srgbClr val="0070C0"/>
+                </a:solidFill>
+              </a:rPr>
+              <a:t>mouseleave</a:t>
+            </a:r>
+            <a:r>
+              <a:rPr lang="en-IN" sz="1600" dirty="0" smtClean="0">
+                <a:solidFill>
+                  <a:srgbClr val="0070C0"/>
+                </a:solidFill>
+              </a:rPr>
+              <a:t>') </a:t>
+            </a:r>
+            <a:r>
+              <a:rPr lang="en-IN" sz="1600" dirty="0" err="1" smtClean="0">
+                <a:solidFill>
+                  <a:srgbClr val="0070C0"/>
+                </a:solidFill>
+              </a:rPr>
+              <a:t>onMouseLeave</a:t>
+            </a:r>
+            <a:r>
+              <a:rPr lang="en-IN" sz="1600" dirty="0" smtClean="0">
+                <a:solidFill>
+                  <a:srgbClr val="0070C0"/>
+                </a:solidFill>
+              </a:rPr>
+              <a:t>() {</a:t>
+            </a:r>
+          </a:p>
+          <a:p>
+            <a:pPr eaLnBrk="1" hangingPunct="1">
+              <a:buFont typeface="Arial" charset="0"/>
+              <a:buNone/>
+            </a:pPr>
+            <a:r>
+              <a:rPr lang="en-IN" sz="1600" dirty="0" smtClean="0">
+                <a:solidFill>
+                  <a:srgbClr val="0070C0"/>
+                </a:solidFill>
+              </a:rPr>
+              <a:t>    </a:t>
+            </a:r>
+            <a:r>
+              <a:rPr lang="en-IN" sz="1600" dirty="0" err="1" smtClean="0">
+                <a:solidFill>
+                  <a:srgbClr val="0070C0"/>
+                </a:solidFill>
+              </a:rPr>
+              <a:t>this.highlight</a:t>
+            </a:r>
+            <a:r>
+              <a:rPr lang="en-IN" sz="1600" dirty="0" smtClean="0">
+                <a:solidFill>
+                  <a:srgbClr val="0070C0"/>
+                </a:solidFill>
+              </a:rPr>
+              <a:t>(null);</a:t>
+            </a:r>
+          </a:p>
+          <a:p>
+            <a:pPr eaLnBrk="1" hangingPunct="1">
+              <a:buFont typeface="Arial" charset="0"/>
+              <a:buNone/>
+            </a:pPr>
+            <a:r>
+              <a:rPr lang="en-IN" sz="1600" dirty="0" smtClean="0">
                 <a:solidFill>
                   <a:srgbClr val="0070C0"/>
                 </a:solidFill>
@@ -6965,7 +7180,7 @@
               <a:buFont typeface="Arial" charset="0"/>
               <a:buNone/>
             </a:pPr>
-            <a:endParaRPr lang="en-IN" sz="1600" smtClean="0">
+            <a:endParaRPr lang="en-IN" sz="1600" dirty="0" smtClean="0">
               <a:solidFill>
                 <a:srgbClr val="0070C0"/>
               </a:solidFill>
@@ -6977,35 +7192,83 @@
               <a:buNone/>
             </a:pPr>
             <a:r>
-              <a:rPr lang="en-IN" sz="1600" smtClean="0">
-                <a:solidFill>
-                  <a:srgbClr val="0070C0"/>
-                </a:solidFill>
-              </a:rPr>
-              <a:t>  private highlight(color: string) {</a:t>
-            </a:r>
-          </a:p>
-          <a:p>
-            <a:pPr eaLnBrk="1" hangingPunct="1">
-              <a:buFont typeface="Arial" charset="0"/>
-              <a:buNone/>
-            </a:pPr>
-            <a:r>
-              <a:rPr lang="en-IN" sz="1600" smtClean="0">
-                <a:solidFill>
-                  <a:srgbClr val="0070C0"/>
-                </a:solidFill>
-              </a:rPr>
-              <a:t>    this.el.nativeElement.style.backgroundColor = color;</a:t>
-            </a:r>
-          </a:p>
-          <a:p>
-            <a:pPr eaLnBrk="1" hangingPunct="1">
-              <a:buFont typeface="Arial" charset="0"/>
-              <a:buNone/>
-            </a:pPr>
-            <a:r>
-              <a:rPr lang="en-IN" sz="1600" smtClean="0">
+              <a:rPr lang="en-IN" sz="1600" dirty="0" smtClean="0">
+                <a:solidFill>
+                  <a:srgbClr val="0070C0"/>
+                </a:solidFill>
+              </a:rPr>
+              <a:t>  private highlight(</a:t>
+            </a:r>
+            <a:r>
+              <a:rPr lang="en-IN" sz="1600" dirty="0" err="1" smtClean="0">
+                <a:solidFill>
+                  <a:srgbClr val="0070C0"/>
+                </a:solidFill>
+              </a:rPr>
+              <a:t>color</a:t>
+            </a:r>
+            <a:r>
+              <a:rPr lang="en-IN" sz="1600" dirty="0" smtClean="0">
+                <a:solidFill>
+                  <a:srgbClr val="0070C0"/>
+                </a:solidFill>
+              </a:rPr>
+              <a:t>: string) {</a:t>
+            </a:r>
+          </a:p>
+          <a:p>
+            <a:pPr eaLnBrk="1" hangingPunct="1">
+              <a:buFont typeface="Arial" charset="0"/>
+              <a:buNone/>
+            </a:pPr>
+            <a:r>
+              <a:rPr lang="en-IN" sz="1600" dirty="0" smtClean="0">
+                <a:solidFill>
+                  <a:srgbClr val="0070C0"/>
+                </a:solidFill>
+              </a:rPr>
+              <a:t>    </a:t>
+            </a:r>
+            <a:r>
+              <a:rPr lang="en-IN" sz="1600" dirty="0" err="1" smtClean="0">
+                <a:solidFill>
+                  <a:srgbClr val="0070C0"/>
+                </a:solidFill>
+              </a:rPr>
+              <a:t>this.el.nativeElement.style.backgroundColor</a:t>
+            </a:r>
+            <a:r>
+              <a:rPr lang="en-IN" sz="1600" dirty="0" smtClean="0">
+                <a:solidFill>
+                  <a:srgbClr val="0070C0"/>
+                </a:solidFill>
+              </a:rPr>
+              <a:t> = </a:t>
+            </a:r>
+            <a:r>
+              <a:rPr lang="en-IN" sz="1600" dirty="0" err="1" smtClean="0">
+                <a:solidFill>
+                  <a:srgbClr val="0070C0"/>
+                </a:solidFill>
+              </a:rPr>
+              <a:t>color</a:t>
+            </a:r>
+            <a:r>
+              <a:rPr lang="en-IN" sz="1600" dirty="0" smtClean="0">
+                <a:solidFill>
+                  <a:srgbClr val="0070C0"/>
+                </a:solidFill>
+              </a:rPr>
+              <a:t>;</a:t>
+            </a:r>
+          </a:p>
+          <a:p>
+            <a:pPr eaLnBrk="1" hangingPunct="1">
+              <a:buFont typeface="Arial" charset="0"/>
+              <a:buNone/>
+            </a:pPr>
+            <a:r>
+              <a:rPr lang="en-IN" sz="1600" dirty="0" smtClean="0">
                 <a:solidFill>
                   <a:srgbClr val="0070C0"/>
                 </a:solidFill>
@@ -7019,7 +7282,7 @@
               <a:buNone/>
             </a:pPr>
             <a:r>
-              <a:rPr lang="en-IN" sz="1600" smtClean="0">
+              <a:rPr lang="en-IN" sz="1600" dirty="0" smtClean="0">
                 <a:solidFill>
                   <a:srgbClr val="0070C0"/>
                 </a:solidFill>
@@ -7451,7 +7714,7 @@
                   <a:srgbClr val="0070C0"/>
                 </a:solidFill>
               </a:rPr>
-              <a:t>ContcatNames</a:t>
+              <a:t>ConcatNames</a:t>
             </a:r>
             <a:endParaRPr lang="en-IN" sz="1600" dirty="0" smtClean="0">
               <a:solidFill>
@@ -7470,11 +7733,15 @@
             </a:r>
             <a:r>
               <a:rPr lang="en-IN" sz="1600" dirty="0" err="1" smtClean="0"/>
-              <a:t>contcat-names.pipe.ts</a:t>
+              <a:t>concat-names.pipe.ts</a:t>
             </a:r>
             <a:r>
               <a:rPr lang="en-IN" sz="1600" dirty="0" smtClean="0"/>
-              <a:t> file you will see below code:</a:t>
+              <a:t> </a:t>
+            </a:r>
+            <a:r>
+              <a:rPr lang="en-IN" sz="1600" dirty="0" smtClean="0"/>
+              <a:t>file you will see below code:</a:t>
             </a:r>
           </a:p>
           <a:p>
@@ -7543,7 +7810,15 @@
                   <a:srgbClr val="0070C0"/>
                 </a:solidFill>
               </a:rPr>
-              <a:t>  name: '</a:t>
+              <a:t>  name: </a:t>
+            </a:r>
+            <a:r>
+              <a:rPr lang="en-IN" sz="1600" dirty="0" smtClean="0">
+                <a:solidFill>
+                  <a:srgbClr val="0070C0"/>
+                </a:solidFill>
+              </a:rPr>
+              <a:t>'</a:t>
             </a:r>
             <a:r>
               <a:rPr lang="en-IN" sz="1600" dirty="0" err="1" smtClean="0">
@@ -7551,7 +7826,7 @@
                   <a:srgbClr val="0070C0"/>
                 </a:solidFill>
               </a:rPr>
-              <a:t>contcatNames</a:t>
+              <a:t>concatNames</a:t>
             </a:r>
             <a:r>
               <a:rPr lang="en-IN" sz="1600" dirty="0" smtClean="0">
@@ -7595,15 +7870,23 @@
                   <a:srgbClr val="0070C0"/>
                 </a:solidFill>
               </a:rPr>
-              <a:t>ContcatNamesPipe</a:t>
-            </a:r>
-            <a:r>
-              <a:rPr lang="en-IN" sz="1600" dirty="0" smtClean="0">
-                <a:solidFill>
-                  <a:srgbClr val="0070C0"/>
-                </a:solidFill>
-              </a:rPr>
-              <a:t> implements </a:t>
+              <a:t>ConcatNamesPipe</a:t>
+            </a:r>
+            <a:r>
+              <a:rPr lang="en-IN" sz="1600" dirty="0" smtClean="0">
+                <a:solidFill>
+                  <a:srgbClr val="0070C0"/>
+                </a:solidFill>
+              </a:rPr>
+              <a:t> </a:t>
+            </a:r>
+            <a:r>
+              <a:rPr lang="en-IN" sz="1600" dirty="0" smtClean="0">
+                <a:solidFill>
+                  <a:srgbClr val="0070C0"/>
+                </a:solidFill>
+              </a:rPr>
+              <a:t>implements </a:t>
             </a:r>
             <a:r>
               <a:rPr lang="en-IN" sz="1600" dirty="0" err="1" smtClean="0">
@@ -7759,7 +8042,15 @@
                   <a:srgbClr val="0070C0"/>
                 </a:solidFill>
               </a:rPr>
-              <a:t>contcatNames:'firstName':'lastName</a:t>
+              <a:t>concatNames</a:t>
+            </a:r>
+            <a:r>
+              <a:rPr lang="en-IN" sz="1600" dirty="0" err="1" smtClean="0">
+                <a:solidFill>
+                  <a:srgbClr val="0070C0"/>
+                </a:solidFill>
+              </a:rPr>
+              <a:t>:'firstName':'lastName</a:t>
             </a:r>
             <a:r>
               <a:rPr lang="en-IN" sz="1600" dirty="0" smtClean="0">
@@ -8813,23 +9104,7 @@
                   <a:srgbClr val="0070C0"/>
                 </a:solidFill>
               </a:rPr>
-              <a:t>@</a:t>
-            </a:r>
-            <a:r>
-              <a:rPr lang="en-IN" sz="1600" dirty="0" err="1" smtClean="0">
-                <a:solidFill>
-                  <a:srgbClr val="0070C0"/>
-                </a:solidFill>
-              </a:rPr>
-              <a:t>NgModule</a:t>
-            </a:r>
-            <a:r>
-              <a:rPr lang="en-IN" sz="1600" dirty="0" smtClean="0">
-                <a:solidFill>
-                  <a:srgbClr val="0070C0"/>
-                </a:solidFill>
-              </a:rPr>
-              <a:t>({</a:t>
+              <a:t>@NgModule({</a:t>
             </a:r>
           </a:p>
           <a:p>
@@ -9313,23 +9588,7 @@
                   <a:srgbClr val="0070C0"/>
                 </a:solidFill>
               </a:rPr>
-              <a:t>@</a:t>
-            </a:r>
-            <a:r>
-              <a:rPr lang="en-IN" sz="1600" dirty="0" err="1" smtClean="0">
-                <a:solidFill>
-                  <a:srgbClr val="0070C0"/>
-                </a:solidFill>
-              </a:rPr>
-              <a:t>NgModule</a:t>
-            </a:r>
-            <a:r>
-              <a:rPr lang="en-IN" sz="1600" dirty="0" smtClean="0">
-                <a:solidFill>
-                  <a:srgbClr val="0070C0"/>
-                </a:solidFill>
-              </a:rPr>
-              <a:t>({</a:t>
+              <a:t>@NgModule({</a:t>
             </a:r>
           </a:p>
           <a:p>
@@ -9737,15 +9996,15 @@
               <a:buNone/>
             </a:pPr>
             <a:r>
-              <a:rPr lang="en-IN" sz="1600" dirty="0" smtClean="0">
-                <a:solidFill>
-                  <a:srgbClr val="0070C0"/>
-                </a:solidFill>
-              </a:rPr>
-              <a:t> &lt;form #f="</a:t>
-            </a:r>
-            <a:r>
-              <a:rPr lang="en-IN" sz="1600" dirty="0" err="1" smtClean="0">
+              <a:rPr lang="en-IN" sz="1100" dirty="0" smtClean="0">
+                <a:solidFill>
+                  <a:srgbClr val="0070C0"/>
+                </a:solidFill>
+              </a:rPr>
+              <a:t>&lt;form #f="</a:t>
+            </a:r>
+            <a:r>
+              <a:rPr lang="en-IN" sz="1100" dirty="0" err="1" smtClean="0">
                 <a:solidFill>
                   <a:srgbClr val="0070C0"/>
                 </a:solidFill>
@@ -9753,7 +10012,7 @@
               <a:t>ngForm</a:t>
             </a:r>
             <a:r>
-              <a:rPr lang="en-IN" sz="1600" dirty="0" smtClean="0">
+              <a:rPr lang="en-IN" sz="1100" dirty="0" smtClean="0">
                 <a:solidFill>
                   <a:srgbClr val="0070C0"/>
                 </a:solidFill>
@@ -9761,7 +10020,7 @@
               <a:t>" (</a:t>
             </a:r>
             <a:r>
-              <a:rPr lang="en-IN" sz="1600" dirty="0" err="1" smtClean="0">
+              <a:rPr lang="en-IN" sz="1100" dirty="0" err="1" smtClean="0">
                 <a:solidFill>
                   <a:srgbClr val="0070C0"/>
                 </a:solidFill>
@@ -9769,7 +10028,7 @@
               <a:t>ngSubmit</a:t>
             </a:r>
             <a:r>
-              <a:rPr lang="en-IN" sz="1600" dirty="0" smtClean="0">
+              <a:rPr lang="en-IN" sz="1100" dirty="0" smtClean="0">
                 <a:solidFill>
                   <a:srgbClr val="0070C0"/>
                 </a:solidFill>
@@ -9777,7 +10036,7 @@
               <a:t>)="</a:t>
             </a:r>
             <a:r>
-              <a:rPr lang="en-IN" sz="1600" dirty="0" err="1" smtClean="0">
+              <a:rPr lang="en-IN" sz="1100" dirty="0" err="1" smtClean="0">
                 <a:solidFill>
                   <a:srgbClr val="0070C0"/>
                 </a:solidFill>
@@ -9785,7 +10044,7 @@
               <a:t>onSubmitForm</a:t>
             </a:r>
             <a:r>
-              <a:rPr lang="en-IN" sz="1600" dirty="0" smtClean="0">
+              <a:rPr lang="en-IN" sz="1100" dirty="0" smtClean="0">
                 <a:solidFill>
                   <a:srgbClr val="0070C0"/>
                 </a:solidFill>
@@ -9793,7 +10052,7 @@
               <a:t>()" </a:t>
             </a:r>
             <a:r>
-              <a:rPr lang="en-IN" sz="1600" dirty="0" err="1" smtClean="0">
+              <a:rPr lang="en-IN" sz="1100" dirty="0" err="1" smtClean="0">
                 <a:solidFill>
                   <a:srgbClr val="0070C0"/>
                 </a:solidFill>
@@ -9801,15 +10060,57 @@
               <a:t>novalidate</a:t>
             </a:r>
             <a:r>
-              <a:rPr lang="en-IN" sz="1600" dirty="0" smtClean="0">
-                <a:solidFill>
-                  <a:srgbClr val="0070C0"/>
-                </a:solidFill>
-              </a:rPr>
-              <a:t>&gt;                &lt;div class="form-group"&gt;                    &lt;label for="username"&gt;Username&lt;/label&gt;                    &lt;input type="text"  [(</a:t>
-            </a:r>
-            <a:r>
-              <a:rPr lang="en-IN" sz="1600" dirty="0" err="1" smtClean="0">
+              <a:rPr lang="en-IN" sz="1100" dirty="0" smtClean="0">
+                <a:solidFill>
+                  <a:srgbClr val="0070C0"/>
+                </a:solidFill>
+              </a:rPr>
+              <a:t>&gt;</a:t>
+            </a:r>
+          </a:p>
+          <a:p>
+            <a:pPr eaLnBrk="1" hangingPunct="1">
+              <a:buFont typeface="Arial" charset="0"/>
+              <a:buNone/>
+            </a:pPr>
+            <a:r>
+              <a:rPr lang="en-IN" sz="1100" dirty="0" smtClean="0">
+                <a:solidFill>
+                  <a:srgbClr val="0070C0"/>
+                </a:solidFill>
+              </a:rPr>
+              <a:t>	&lt;div class="form-group"&gt;</a:t>
+            </a:r>
+          </a:p>
+          <a:p>
+            <a:pPr eaLnBrk="1" hangingPunct="1">
+              <a:buFont typeface="Arial" charset="0"/>
+              <a:buNone/>
+            </a:pPr>
+            <a:r>
+              <a:rPr lang="en-IN" sz="1100" dirty="0" smtClean="0">
+                <a:solidFill>
+                  <a:srgbClr val="0070C0"/>
+                </a:solidFill>
+              </a:rPr>
+              <a:t>		&lt;label for="username"&gt;Username&lt;/label&gt;</a:t>
+            </a:r>
+          </a:p>
+          <a:p>
+            <a:pPr eaLnBrk="1" hangingPunct="1">
+              <a:buFont typeface="Arial" charset="0"/>
+              <a:buNone/>
+            </a:pPr>
+            <a:r>
+              <a:rPr lang="en-IN" sz="1100" dirty="0" smtClean="0">
+                <a:solidFill>
+                  <a:srgbClr val="0070C0"/>
+                </a:solidFill>
+              </a:rPr>
+              <a:t>		&lt;input type="text"  [(</a:t>
+            </a:r>
+            <a:r>
+              <a:rPr lang="en-IN" sz="1100" dirty="0" err="1" smtClean="0">
                 <a:solidFill>
                   <a:srgbClr val="0070C0"/>
                 </a:solidFill>
@@ -9817,7 +10118,7 @@
               <a:t>ngModel</a:t>
             </a:r>
             <a:r>
-              <a:rPr lang="en-IN" sz="1600" dirty="0" smtClean="0">
+              <a:rPr lang="en-IN" sz="1100" dirty="0" smtClean="0">
                 <a:solidFill>
                   <a:srgbClr val="0070C0"/>
                 </a:solidFill>
@@ -9825,7 +10126,7 @@
               <a:t>)]="</a:t>
             </a:r>
             <a:r>
-              <a:rPr lang="en-IN" sz="1600" dirty="0" err="1" smtClean="0">
+              <a:rPr lang="en-IN" sz="1100" dirty="0" err="1" smtClean="0">
                 <a:solidFill>
                   <a:srgbClr val="0070C0"/>
                 </a:solidFill>
@@ -9833,15 +10134,71 @@
               <a:t>user.username</a:t>
             </a:r>
             <a:r>
-              <a:rPr lang="en-IN" sz="1600" dirty="0" smtClean="0">
-                <a:solidFill>
-                  <a:srgbClr val="0070C0"/>
-                </a:solidFill>
-              </a:rPr>
-              <a:t>" name="username" class="form-control" required/&gt;                &lt;/div&gt;                &lt;div class="form-group"&gt;                    &lt;label for="password"&gt;Password&lt;/label&gt;                    &lt;input type="password" [(</a:t>
-            </a:r>
-            <a:r>
-              <a:rPr lang="en-IN" sz="1600" dirty="0" err="1" smtClean="0">
+              <a:rPr lang="en-IN" sz="1100" dirty="0" smtClean="0">
+                <a:solidFill>
+                  <a:srgbClr val="0070C0"/>
+                </a:solidFill>
+              </a:rPr>
+              <a:t>" name="username" class="form-control" required/&gt;</a:t>
+            </a:r>
+          </a:p>
+          <a:p>
+            <a:pPr eaLnBrk="1" hangingPunct="1">
+              <a:buFont typeface="Arial" charset="0"/>
+              <a:buNone/>
+            </a:pPr>
+            <a:r>
+              <a:rPr lang="en-IN" sz="1100" dirty="0" smtClean="0">
+                <a:solidFill>
+                  <a:srgbClr val="0070C0"/>
+                </a:solidFill>
+              </a:rPr>
+              <a:t>	&lt;/div&gt;</a:t>
+            </a:r>
+          </a:p>
+          <a:p>
+            <a:pPr eaLnBrk="1" hangingPunct="1">
+              <a:buFont typeface="Arial" charset="0"/>
+              <a:buNone/>
+            </a:pPr>
+            <a:r>
+              <a:rPr lang="en-IN" sz="1100" dirty="0" smtClean="0">
+                <a:solidFill>
+                  <a:srgbClr val="0070C0"/>
+                </a:solidFill>
+              </a:rPr>
+              <a:t>	&lt;div class="form-group"&gt;</a:t>
+            </a:r>
+          </a:p>
+          <a:p>
+            <a:pPr eaLnBrk="1" hangingPunct="1">
+              <a:buFont typeface="Arial" charset="0"/>
+              <a:buNone/>
+            </a:pPr>
+            <a:r>
+              <a:rPr lang="en-IN" sz="1100" dirty="0" smtClean="0">
+                <a:solidFill>
+                  <a:srgbClr val="0070C0"/>
+                </a:solidFill>
+              </a:rPr>
+              <a:t>		&lt;label for="password"&gt;Password&lt;/label&gt;</a:t>
+            </a:r>
+          </a:p>
+          <a:p>
+            <a:pPr eaLnBrk="1" hangingPunct="1">
+              <a:buFont typeface="Arial" charset="0"/>
+              <a:buNone/>
+            </a:pPr>
+            <a:r>
+              <a:rPr lang="en-IN" sz="1100" dirty="0" smtClean="0">
+                <a:solidFill>
+                  <a:srgbClr val="0070C0"/>
+                </a:solidFill>
+              </a:rPr>
+              <a:t>		&lt;input type="password" [(</a:t>
+            </a:r>
+            <a:r>
+              <a:rPr lang="en-IN" sz="1100" dirty="0" err="1" smtClean="0">
                 <a:solidFill>
                   <a:srgbClr val="0070C0"/>
                 </a:solidFill>
@@ -9849,7 +10206,7 @@
               <a:t>ngModel</a:t>
             </a:r>
             <a:r>
-              <a:rPr lang="en-IN" sz="1600" dirty="0" smtClean="0">
+              <a:rPr lang="en-IN" sz="1100" dirty="0" smtClean="0">
                 <a:solidFill>
                   <a:srgbClr val="0070C0"/>
                 </a:solidFill>
@@ -9857,7 +10214,7 @@
               <a:t>)]="</a:t>
             </a:r>
             <a:r>
-              <a:rPr lang="en-IN" sz="1600" dirty="0" err="1" smtClean="0">
+              <a:rPr lang="en-IN" sz="1100" dirty="0" err="1" smtClean="0">
                 <a:solidFill>
                   <a:srgbClr val="0070C0"/>
                 </a:solidFill>
@@ -9865,15 +10222,57 @@
               <a:t>user.password</a:t>
             </a:r>
             <a:r>
-              <a:rPr lang="en-IN" sz="1600" dirty="0" smtClean="0">
-                <a:solidFill>
-                  <a:srgbClr val="0070C0"/>
-                </a:solidFill>
-              </a:rPr>
-              <a:t>" name="password" class="form-control" required/&gt;                &lt;/div&gt;                &lt;div class="form-group"&gt;                    &lt;button type="submit" [disabled]="loading" class="</a:t>
-            </a:r>
-            <a:r>
-              <a:rPr lang="en-IN" sz="1600" dirty="0" err="1" smtClean="0">
+              <a:rPr lang="en-IN" sz="1100" dirty="0" smtClean="0">
+                <a:solidFill>
+                  <a:srgbClr val="0070C0"/>
+                </a:solidFill>
+              </a:rPr>
+              <a:t>" name="password" class="form-control" required/&gt;</a:t>
+            </a:r>
+          </a:p>
+          <a:p>
+            <a:pPr eaLnBrk="1" hangingPunct="1">
+              <a:buFont typeface="Arial" charset="0"/>
+              <a:buNone/>
+            </a:pPr>
+            <a:r>
+              <a:rPr lang="en-IN" sz="1100" dirty="0" smtClean="0">
+                <a:solidFill>
+                  <a:srgbClr val="0070C0"/>
+                </a:solidFill>
+              </a:rPr>
+              <a:t>	&lt;/div&gt;</a:t>
+            </a:r>
+          </a:p>
+          <a:p>
+            <a:pPr eaLnBrk="1" hangingPunct="1">
+              <a:buFont typeface="Arial" charset="0"/>
+              <a:buNone/>
+            </a:pPr>
+            <a:r>
+              <a:rPr lang="en-IN" sz="1100" dirty="0" smtClean="0">
+                <a:solidFill>
+                  <a:srgbClr val="0070C0"/>
+                </a:solidFill>
+              </a:rPr>
+              <a:t>	&lt;div class="form-group"&gt;</a:t>
+            </a:r>
+          </a:p>
+          <a:p>
+            <a:pPr eaLnBrk="1" hangingPunct="1">
+              <a:buFont typeface="Arial" charset="0"/>
+              <a:buNone/>
+            </a:pPr>
+            <a:r>
+              <a:rPr lang="en-IN" sz="1100" dirty="0" smtClean="0">
+                <a:solidFill>
+                  <a:srgbClr val="0070C0"/>
+                </a:solidFill>
+              </a:rPr>
+              <a:t>		&lt;button type="submit" [disabled]="loading" class="</a:t>
+            </a:r>
+            <a:r>
+              <a:rPr lang="en-IN" sz="1100" dirty="0" err="1" smtClean="0">
                 <a:solidFill>
                   <a:srgbClr val="0070C0"/>
                 </a:solidFill>
@@ -9881,7 +10280,7 @@
               <a:t>btn</a:t>
             </a:r>
             <a:r>
-              <a:rPr lang="en-IN" sz="1600" dirty="0" smtClean="0">
+              <a:rPr lang="en-IN" sz="1100" dirty="0" smtClean="0">
                 <a:solidFill>
                   <a:srgbClr val="0070C0"/>
                 </a:solidFill>
@@ -9889,7 +10288,7 @@
               <a:t> </a:t>
             </a:r>
             <a:r>
-              <a:rPr lang="en-IN" sz="1600" dirty="0" err="1" smtClean="0">
+              <a:rPr lang="en-IN" sz="1100" dirty="0" err="1" smtClean="0">
                 <a:solidFill>
                   <a:srgbClr val="0070C0"/>
                 </a:solidFill>
@@ -9897,7 +10296,7 @@
               <a:t>btn</a:t>
             </a:r>
             <a:r>
-              <a:rPr lang="en-IN" sz="1600" dirty="0" smtClean="0">
+              <a:rPr lang="en-IN" sz="1100" dirty="0" smtClean="0">
                 <a:solidFill>
                   <a:srgbClr val="0070C0"/>
                 </a:solidFill>
@@ -9905,7 +10304,7 @@
               <a:t>-primary"&gt;Login&lt;/button&gt; &amp;</a:t>
             </a:r>
             <a:r>
-              <a:rPr lang="en-IN" sz="1600" dirty="0" err="1" smtClean="0">
+              <a:rPr lang="en-IN" sz="1100" dirty="0" err="1" smtClean="0">
                 <a:solidFill>
                   <a:srgbClr val="0070C0"/>
                 </a:solidFill>
@@ -9913,7 +10312,7 @@
               <a:t>nbsp</a:t>
             </a:r>
             <a:r>
-              <a:rPr lang="en-IN" sz="1600" dirty="0" smtClean="0">
+              <a:rPr lang="en-IN" sz="1100" dirty="0" smtClean="0">
                 <a:solidFill>
                   <a:srgbClr val="0070C0"/>
                 </a:solidFill>
@@ -9921,7 +10320,7 @@
               <a:t>;&amp;</a:t>
             </a:r>
             <a:r>
-              <a:rPr lang="en-IN" sz="1600" dirty="0" err="1" smtClean="0">
+              <a:rPr lang="en-IN" sz="1100" dirty="0" err="1" smtClean="0">
                 <a:solidFill>
                   <a:srgbClr val="0070C0"/>
                 </a:solidFill>
@@ -9929,15 +10328,29 @@
               <a:t>nbsp</a:t>
             </a:r>
             <a:r>
-              <a:rPr lang="en-IN" sz="1600" dirty="0" smtClean="0">
-                <a:solidFill>
-                  <a:srgbClr val="0070C0"/>
-                </a:solidFill>
-              </a:rPr>
-              <a:t>;                    &lt;button [disabled]="loading" class="</a:t>
-            </a:r>
-            <a:r>
-              <a:rPr lang="en-IN" sz="1600" dirty="0" err="1" smtClean="0">
+              <a:rPr lang="en-IN" sz="1100" dirty="0" smtClean="0">
+                <a:solidFill>
+                  <a:srgbClr val="0070C0"/>
+                </a:solidFill>
+              </a:rPr>
+              <a:t>;</a:t>
+            </a:r>
+          </a:p>
+          <a:p>
+            <a:pPr eaLnBrk="1" hangingPunct="1">
+              <a:buFont typeface="Arial" charset="0"/>
+              <a:buNone/>
+            </a:pPr>
+            <a:r>
+              <a:rPr lang="en-IN" sz="1100" dirty="0" smtClean="0">
+                <a:solidFill>
+                  <a:srgbClr val="0070C0"/>
+                </a:solidFill>
+              </a:rPr>
+              <a:t>		&lt;button [disabled]="loading" class="</a:t>
+            </a:r>
+            <a:r>
+              <a:rPr lang="en-IN" sz="1100" dirty="0" err="1" smtClean="0">
                 <a:solidFill>
                   <a:srgbClr val="0070C0"/>
                 </a:solidFill>
@@ -9945,7 +10358,7 @@
               <a:t>btn</a:t>
             </a:r>
             <a:r>
-              <a:rPr lang="en-IN" sz="1600" dirty="0" smtClean="0">
+              <a:rPr lang="en-IN" sz="1100" dirty="0" smtClean="0">
                 <a:solidFill>
                   <a:srgbClr val="0070C0"/>
                 </a:solidFill>
@@ -9953,7 +10366,7 @@
               <a:t> </a:t>
             </a:r>
             <a:r>
-              <a:rPr lang="en-IN" sz="1600" dirty="0" err="1" smtClean="0">
+              <a:rPr lang="en-IN" sz="1100" dirty="0" err="1" smtClean="0">
                 <a:solidFill>
                   <a:srgbClr val="0070C0"/>
                 </a:solidFill>
@@ -9961,7 +10374,7 @@
               <a:t>btn</a:t>
             </a:r>
             <a:r>
-              <a:rPr lang="en-IN" sz="1600" dirty="0" smtClean="0">
+              <a:rPr lang="en-IN" sz="1100" dirty="0" smtClean="0">
                 <a:solidFill>
                   <a:srgbClr val="0070C0"/>
                 </a:solidFill>
@@ -9969,7 +10382,7 @@
               <a:t>-primary" (click)="</a:t>
             </a:r>
             <a:r>
-              <a:rPr lang="en-IN" sz="1600" dirty="0" err="1" smtClean="0">
+              <a:rPr lang="en-IN" sz="1100" dirty="0" err="1" smtClean="0">
                 <a:solidFill>
                   <a:srgbClr val="0070C0"/>
                 </a:solidFill>
@@ -9977,45 +10390,49 @@
               <a:t>onRegistration</a:t>
             </a:r>
             <a:r>
-              <a:rPr lang="en-IN" sz="1600" dirty="0" smtClean="0">
-                <a:solidFill>
-                  <a:srgbClr val="0070C0"/>
-                </a:solidFill>
-              </a:rPr>
-              <a:t>()"&gt;Registration&lt;/button&gt;                &lt;/div&gt;       </a:t>
-            </a:r>
-            <a:endParaRPr lang="en-IN" sz="1600" dirty="0" smtClean="0">
-              <a:solidFill>
-                <a:srgbClr val="0070C0"/>
-              </a:solidFill>
-            </a:endParaRPr>
-          </a:p>
-          <a:p>
-            <a:pPr eaLnBrk="1" hangingPunct="1">
-              <a:buFont typeface="Arial" charset="0"/>
-              <a:buNone/>
-            </a:pPr>
-            <a:r>
-              <a:rPr lang="en-IN" sz="1600" dirty="0" smtClean="0">
-                <a:solidFill>
-                  <a:srgbClr val="0070C0"/>
-                </a:solidFill>
-              </a:rPr>
-              <a:t> </a:t>
-            </a:r>
-            <a:r>
-              <a:rPr lang="en-IN" sz="1600" dirty="0" smtClean="0">
-                <a:solidFill>
-                  <a:srgbClr val="0070C0"/>
-                </a:solidFill>
-              </a:rPr>
-              <a:t>&lt;/form&gt;</a:t>
-            </a:r>
-            <a:endParaRPr lang="en-IN" sz="1600" dirty="0" smtClean="0">
-              <a:solidFill>
-                <a:srgbClr val="0070C0"/>
-              </a:solidFill>
-            </a:endParaRPr>
+              <a:rPr lang="en-IN" sz="1100" dirty="0" smtClean="0">
+                <a:solidFill>
+                  <a:srgbClr val="0070C0"/>
+                </a:solidFill>
+              </a:rPr>
+              <a:t>()"&gt;Registration&lt;/button&gt;</a:t>
+            </a:r>
+          </a:p>
+          <a:p>
+            <a:pPr eaLnBrk="1" hangingPunct="1">
+              <a:buFont typeface="Arial" charset="0"/>
+              <a:buNone/>
+            </a:pPr>
+            <a:r>
+              <a:rPr lang="en-IN" sz="1100" dirty="0" smtClean="0">
+                <a:solidFill>
+                  <a:srgbClr val="0070C0"/>
+                </a:solidFill>
+              </a:rPr>
+              <a:t>	&lt;/div&gt;</a:t>
+            </a:r>
+          </a:p>
+          <a:p>
+            <a:pPr eaLnBrk="1" hangingPunct="1">
+              <a:buFont typeface="Arial" charset="0"/>
+              <a:buNone/>
+            </a:pPr>
+            <a:r>
+              <a:rPr lang="en-IN" sz="1100" dirty="0" smtClean="0">
+                <a:solidFill>
+                  <a:srgbClr val="0070C0"/>
+                </a:solidFill>
+              </a:rPr>
+              <a:t> &lt;/form</a:t>
+            </a:r>
+            <a:r>
+              <a:rPr lang="en-IN" sz="1100" dirty="0" smtClean="0">
+                <a:solidFill>
+                  <a:srgbClr val="0070C0"/>
+                </a:solidFill>
+              </a:rPr>
+              <a:t>&gt;</a:t>
+            </a:r>
           </a:p>
           <a:p>
             <a:pPr eaLnBrk="1" hangingPunct="1">
@@ -10024,7 +10441,11 @@
             </a:pPr>
             <a:r>
               <a:rPr lang="en-IN" sz="1600" dirty="0" smtClean="0"/>
-              <a:t>We have created a simple form with input tags having email id, password and the submit button. We have assigned type, name, and placeholder to it.</a:t>
+              <a:t>We </a:t>
+            </a:r>
+            <a:r>
+              <a:rPr lang="en-IN" sz="1600" dirty="0" smtClean="0"/>
+              <a:t>have created a simple form with input tags having email id, password and the submit button. We have assigned type, name, and placeholder to it.</a:t>
             </a:r>
           </a:p>
           <a:p>
@@ -10058,15 +10479,7 @@
             </a:r>
             <a:r>
               <a:rPr lang="en-IN" sz="1600" dirty="0" smtClean="0"/>
-              <a:t> </a:t>
-            </a:r>
-            <a:r>
-              <a:rPr lang="en-IN" sz="1600" dirty="0" smtClean="0"/>
-              <a:t>and password, </a:t>
-            </a:r>
-            <a:r>
-              <a:rPr lang="en-IN" sz="1600" dirty="0" smtClean="0"/>
-              <a:t>we need to add the </a:t>
+              <a:t> and password, we need to add the </a:t>
             </a:r>
             <a:r>
               <a:rPr lang="en-IN" sz="1600" dirty="0" err="1" smtClean="0"/>
@@ -10250,7 +10663,6 @@
               <a:rPr lang="en-IN" sz="900" dirty="0" smtClean="0"/>
               <a:t> and fetch the values entered in the form.</a:t>
             </a:r>
-            <a:endParaRPr lang="en-IN" sz="900" dirty="0" smtClean="0"/>
           </a:p>
           <a:p>
             <a:pPr marL="548640" indent="-411480" eaLnBrk="1" fontAlgn="auto" hangingPunct="1">
@@ -11693,19 +12105,11 @@
             </a:r>
             <a:r>
               <a:rPr lang="en-IN" sz="1600" dirty="0" err="1" smtClean="0"/>
-              <a:t>login</a:t>
-            </a:r>
-            <a:r>
-              <a:rPr lang="en-IN" sz="1600" dirty="0" err="1" smtClean="0"/>
-              <a:t>.component.ts</a:t>
+              <a:t>login.component.ts</a:t>
             </a:r>
             <a:r>
               <a:rPr lang="en-IN" sz="1600" dirty="0" smtClean="0"/>
-              <a:t> </a:t>
-            </a:r>
-            <a:r>
-              <a:rPr lang="en-IN" sz="1600" dirty="0" smtClean="0"/>
-              <a:t>file, we have defined the function </a:t>
+              <a:t> file, we have defined the function </a:t>
             </a:r>
             <a:r>
               <a:rPr lang="en-IN" sz="1600" dirty="0" err="1" smtClean="0"/>
@@ -11713,11 +12117,7 @@
             </a:r>
             <a:r>
               <a:rPr lang="en-IN" sz="1600" dirty="0" smtClean="0"/>
-              <a:t>. </a:t>
-            </a:r>
-            <a:r>
-              <a:rPr lang="en-IN" sz="1600" dirty="0" smtClean="0"/>
-              <a:t>When you click on the form submit button, the control will come to the above function.</a:t>
+              <a:t>. When you click on the form submit button, the control will come to the above function.</a:t>
             </a:r>
           </a:p>
           <a:p>
@@ -11927,23 +12327,7 @@
                   <a:srgbClr val="0070C0"/>
                 </a:solidFill>
               </a:rPr>
-              <a:t>@</a:t>
-            </a:r>
-            <a:r>
-              <a:rPr lang="en-IN" sz="1600" dirty="0" err="1" smtClean="0">
-                <a:solidFill>
-                  <a:srgbClr val="0070C0"/>
-                </a:solidFill>
-              </a:rPr>
-              <a:t>NgModule</a:t>
-            </a:r>
-            <a:r>
-              <a:rPr lang="en-IN" sz="1600" dirty="0" smtClean="0">
-                <a:solidFill>
-                  <a:srgbClr val="0070C0"/>
-                </a:solidFill>
-              </a:rPr>
-              <a:t>({</a:t>
+              <a:t>@NgModule({</a:t>
             </a:r>
           </a:p>
           <a:p>
@@ -12130,11 +12514,7 @@
             </a:r>
             <a:r>
               <a:rPr lang="en-IN" sz="1600" dirty="0" err="1" smtClean="0"/>
-              <a:t>login</a:t>
-            </a:r>
-            <a:r>
-              <a:rPr lang="en-IN" sz="1600" dirty="0" err="1" smtClean="0"/>
-              <a:t>.component.ts</a:t>
+              <a:t>login.component.ts</a:t>
             </a:r>
             <a:r>
               <a:rPr lang="en-IN" sz="1600" dirty="0" smtClean="0"/>
@@ -12440,11 +12820,6 @@
               </a:rPr>
               <a:t> </a:t>
             </a:r>
-            <a:endParaRPr lang="en-IN" sz="1600" dirty="0" smtClean="0">
-              <a:solidFill>
-                <a:srgbClr val="0070C0"/>
-              </a:solidFill>
-            </a:endParaRPr>
           </a:p>
           <a:p>
             <a:pPr marL="548640" indent="-411480" eaLnBrk="1" fontAlgn="auto" hangingPunct="1">
@@ -12474,15 +12849,7 @@
                   <a:srgbClr val="0070C0"/>
                 </a:solidFill>
               </a:rPr>
-              <a:t> </a:t>
-            </a:r>
-            <a:r>
-              <a:rPr lang="en-IN" sz="1600" dirty="0" smtClean="0">
-                <a:solidFill>
-                  <a:srgbClr val="0070C0"/>
-                </a:solidFill>
-              </a:rPr>
-              <a:t>= </a:t>
+              <a:t> = </a:t>
             </a:r>
             <a:r>
               <a:rPr lang="en-IN" sz="1600" dirty="0" err="1" smtClean="0">
@@ -12599,15 +12966,7 @@
                   <a:srgbClr val="0070C0"/>
                 </a:solidFill>
               </a:rPr>
-              <a:t>      </a:t>
-            </a:r>
-            <a:r>
-              <a:rPr lang="en-IN" sz="1600" dirty="0" smtClean="0">
-                <a:solidFill>
-                  <a:srgbClr val="0070C0"/>
-                </a:solidFill>
-              </a:rPr>
-              <a:t>});</a:t>
+              <a:t>      });</a:t>
             </a:r>
           </a:p>
           <a:p>
@@ -12936,11 +13295,6 @@
               </a:rPr>
               <a:t>}</a:t>
             </a:r>
-            <a:endParaRPr lang="en-IN" sz="1600" dirty="0" smtClean="0">
-              <a:solidFill>
-                <a:srgbClr val="0070C0"/>
-              </a:solidFill>
-            </a:endParaRPr>
           </a:p>
         </p:txBody>
       </p:sp>
@@ -13125,11 +13479,7 @@
             </a:r>
             <a:r>
               <a:rPr lang="en-IN" sz="1600" dirty="0" smtClean="0"/>
-              <a:t> to initialize the form values; we need to use the same in the form UI </a:t>
-            </a:r>
-            <a:r>
-              <a:rPr lang="en-IN" sz="1600" dirty="0" smtClean="0"/>
-              <a:t> </a:t>
+              <a:t> to initialize the form values; we need to use the same in the form UI  </a:t>
             </a:r>
             <a:r>
               <a:rPr lang="en-IN" sz="1600" dirty="0" err="1" smtClean="0"/>
@@ -13139,7 +13489,6 @@
               <a:rPr lang="en-IN" sz="1600" dirty="0" smtClean="0"/>
               <a:t>.</a:t>
             </a:r>
-            <a:endParaRPr lang="en-IN" sz="1600" dirty="0" smtClean="0"/>
           </a:p>
           <a:p>
             <a:pPr marL="548640" indent="-411480" eaLnBrk="1" fontAlgn="auto" hangingPunct="1">
@@ -14016,11 +14365,6 @@
               </a:rPr>
               <a:t>        &lt;/form&gt;</a:t>
             </a:r>
-            <a:endParaRPr lang="en-IN" sz="1600" dirty="0" smtClean="0">
-              <a:solidFill>
-                <a:srgbClr val="0070C0"/>
-              </a:solidFill>
-            </a:endParaRPr>
           </a:p>
         </p:txBody>
       </p:sp>
@@ -14792,23 +15136,7 @@
                   <a:srgbClr val="0070C0"/>
                 </a:solidFill>
               </a:rPr>
-              <a:t>@</a:t>
-            </a:r>
-            <a:r>
-              <a:rPr lang="en-IN" sz="1800" dirty="0" err="1" smtClean="0">
-                <a:solidFill>
-                  <a:srgbClr val="0070C0"/>
-                </a:solidFill>
-              </a:rPr>
-              <a:t>NgModule</a:t>
-            </a:r>
-            <a:r>
-              <a:rPr lang="en-IN" sz="1800" dirty="0" smtClean="0">
-                <a:solidFill>
-                  <a:srgbClr val="0070C0"/>
-                </a:solidFill>
-              </a:rPr>
-              <a:t>({</a:t>
+              <a:t>@NgModule({</a:t>
             </a:r>
           </a:p>
           <a:p>
@@ -17632,73 +17960,142 @@
             <p:ph idx="1"/>
           </p:nvPr>
         </p:nvSpPr>
-        <p:spPr/>
+        <p:spPr>
+          <a:xfrm>
+            <a:off x="457200" y="785794"/>
+            <a:ext cx="8229600" cy="5522931"/>
+          </a:xfrm>
+        </p:spPr>
         <p:txBody>
           <a:bodyPr/>
           <a:lstStyle/>
           <a:p>
             <a:pPr eaLnBrk="1" hangingPunct="1"/>
             <a:r>
-              <a:rPr lang="en-IN" sz="2000" u="sng" dirty="0" smtClean="0">
+              <a:rPr lang="en-IN" sz="1600" u="sng" dirty="0" smtClean="0">
                 <a:hlinkClick r:id="rId2"/>
               </a:rPr>
               <a:t>https://nodejs.org/en/download/</a:t>
             </a:r>
-            <a:endParaRPr lang="en-IN" sz="2000" u="sng" dirty="0" smtClean="0"/>
+            <a:endParaRPr lang="en-IN" sz="1600" u="sng" dirty="0" smtClean="0"/>
           </a:p>
           <a:p>
             <a:pPr eaLnBrk="1" hangingPunct="1"/>
             <a:r>
-              <a:rPr lang="en-IN" sz="2000" u="sng" dirty="0" smtClean="0">
+              <a:rPr lang="en-IN" sz="1600" u="sng" dirty="0" smtClean="0">
                 <a:hlinkClick r:id="rId3"/>
               </a:rPr>
               <a:t>https://angular.io/</a:t>
             </a:r>
-            <a:endParaRPr lang="en-IN" sz="2000" u="sng" dirty="0" smtClean="0"/>
+            <a:endParaRPr lang="en-IN" sz="1600" u="sng" dirty="0" smtClean="0"/>
           </a:p>
           <a:p>
             <a:pPr eaLnBrk="1" hangingPunct="1"/>
             <a:r>
-              <a:rPr lang="en-IN" sz="2000" dirty="0" smtClean="0">
+              <a:rPr lang="en-IN" sz="1600" dirty="0" smtClean="0">
                 <a:hlinkClick r:id="rId4"/>
               </a:rPr>
               <a:t>https://www.npmjs.com/</a:t>
             </a:r>
-            <a:endParaRPr lang="en-IN" sz="2000" dirty="0" smtClean="0"/>
+            <a:endParaRPr lang="en-IN" sz="1600" dirty="0" smtClean="0"/>
           </a:p>
           <a:p>
             <a:pPr eaLnBrk="1" hangingPunct="1"/>
             <a:r>
-              <a:rPr lang="en-IN" sz="2000" u="sng" dirty="0" smtClean="0">
+              <a:rPr lang="en-IN" sz="1600" u="sng" dirty="0" smtClean="0">
                 <a:hlinkClick r:id="rId5"/>
               </a:rPr>
               <a:t>https://www.tutorialspoint.com/angular4/index.htm</a:t>
             </a:r>
-            <a:endParaRPr lang="en-IN" sz="2000" u="sng" dirty="0" smtClean="0"/>
+            <a:endParaRPr lang="en-IN" sz="1600" u="sng" dirty="0" smtClean="0"/>
           </a:p>
           <a:p>
             <a:pPr eaLnBrk="1" hangingPunct="1"/>
             <a:r>
-              <a:rPr lang="en-IN" sz="2000" u="sng" dirty="0" smtClean="0">
+              <a:rPr lang="en-IN" sz="1600" u="sng" dirty="0" smtClean="0">
                 <a:hlinkClick r:id="rId6"/>
               </a:rPr>
               <a:t>https://www.pluralsight.com/guides/difference-between-template-driven-and-reactive-forms-angular</a:t>
             </a:r>
-            <a:endParaRPr lang="en-IN" sz="2000" u="sng" dirty="0" smtClean="0"/>
+            <a:endParaRPr lang="en-IN" sz="1600" u="sng" dirty="0" smtClean="0"/>
           </a:p>
           <a:p>
             <a:pPr eaLnBrk="1" hangingPunct="1"/>
             <a:r>
-              <a:rPr lang="en-IN" sz="2000" u="sng" dirty="0" smtClean="0">
+              <a:rPr lang="en-IN" sz="1600" u="sng" dirty="0" smtClean="0">
                 <a:hlinkClick r:id="rId7"/>
               </a:rPr>
-              <a:t>https://www.tutorialandexample.com/angular-8-architecture/</a:t>
-            </a:r>
-            <a:endParaRPr lang="en-IN" sz="2000" u="sng" dirty="0" smtClean="0"/>
+              <a:t>https://www.tutorialandexample.com/angular-8-architecture</a:t>
+            </a:r>
+            <a:r>
+              <a:rPr lang="en-IN" sz="1600" u="sng" dirty="0" smtClean="0">
+                <a:hlinkClick r:id="rId7"/>
+              </a:rPr>
+              <a:t>/</a:t>
+            </a:r>
+            <a:endParaRPr lang="en-IN" sz="1600" u="sng" dirty="0" smtClean="0"/>
           </a:p>
           <a:p>
             <a:pPr eaLnBrk="1" hangingPunct="1"/>
-            <a:endParaRPr lang="en-IN" sz="2000" u="sng" dirty="0" smtClean="0"/>
+            <a:r>
+              <a:rPr lang="en-IN" sz="1600" u="sng" dirty="0" smtClean="0"/>
+              <a:t>https://www.primefaces.org/primeng/v6.1.7</a:t>
+            </a:r>
+            <a:r>
+              <a:rPr lang="en-IN" sz="1600" u="sng" dirty="0" smtClean="0"/>
+              <a:t>/#/</a:t>
+            </a:r>
+            <a:endParaRPr lang="en-IN" sz="1600" u="sng" dirty="0" smtClean="0"/>
+          </a:p>
+          <a:p>
+            <a:pPr eaLnBrk="1" hangingPunct="1"/>
+            <a:r>
+              <a:rPr lang="en-IN" sz="1600" u="sng" dirty="0" smtClean="0"/>
+              <a:t>https://getbootstrap.com/docs/4.5/getting-started/introduction</a:t>
+            </a:r>
+            <a:r>
+              <a:rPr lang="en-IN" sz="1600" u="sng" dirty="0" smtClean="0"/>
+              <a:t>/</a:t>
+            </a:r>
+            <a:endParaRPr lang="en-IN" sz="1600" u="sng" dirty="0" smtClean="0"/>
+          </a:p>
+          <a:p>
+            <a:pPr eaLnBrk="1" hangingPunct="1"/>
+            <a:r>
+              <a:rPr lang="en-IN" sz="1600" u="sng" dirty="0" smtClean="0"/>
+              <a:t>https://fontawesome.com/v4.7.0</a:t>
+            </a:r>
+            <a:r>
+              <a:rPr lang="en-IN" sz="1600" u="sng" dirty="0" smtClean="0"/>
+              <a:t>/</a:t>
+            </a:r>
+            <a:endParaRPr lang="en-IN" sz="1600" u="sng" dirty="0" smtClean="0"/>
+          </a:p>
+          <a:p>
+            <a:pPr eaLnBrk="1" hangingPunct="1"/>
+            <a:r>
+              <a:rPr lang="en-IN" sz="1600" u="sng" dirty="0" smtClean="0"/>
+              <a:t>https://www.ag-grid.com</a:t>
+            </a:r>
+            <a:r>
+              <a:rPr lang="en-IN" sz="1600" u="sng" dirty="0" smtClean="0"/>
+              <a:t>/</a:t>
+            </a:r>
+            <a:endParaRPr lang="en-IN" sz="1600" u="sng" dirty="0" smtClean="0"/>
+          </a:p>
+          <a:p>
+            <a:pPr eaLnBrk="1" hangingPunct="1"/>
+            <a:r>
+              <a:rPr lang="en-IN" sz="1600" u="sng" dirty="0" smtClean="0"/>
+              <a:t>https://underscorejs.org/</a:t>
+            </a:r>
+            <a:endParaRPr lang="en-IN" sz="1600" u="sng" dirty="0" smtClean="0"/>
+          </a:p>
+          <a:p>
+            <a:pPr eaLnBrk="1" hangingPunct="1">
+              <a:buNone/>
+            </a:pPr>
+            <a:endParaRPr lang="en-IN" sz="1600" u="sng" dirty="0" smtClean="0"/>
           </a:p>
         </p:txBody>
       </p:sp>
@@ -18815,7 +19212,15 @@
                   <a:srgbClr val="0070C0"/>
                 </a:solidFill>
               </a:rPr>
-              <a:t>	npm install -g @angular/</a:t>
+              <a:t>	npm install -g @</a:t>
+            </a:r>
+            <a:r>
+              <a:rPr lang="en-IN" sz="1600" dirty="0" smtClean="0">
+                <a:solidFill>
+                  <a:srgbClr val="0070C0"/>
+                </a:solidFill>
+              </a:rPr>
+              <a:t>angular/</a:t>
             </a:r>
             <a:r>
               <a:rPr lang="en-IN" sz="1600" dirty="0" err="1" smtClean="0">
@@ -18830,6 +19235,27 @@
                 <a:srgbClr val="0070C0"/>
               </a:solidFill>
             </a:endParaRPr>
+          </a:p>
+          <a:p>
+            <a:pPr eaLnBrk="1" hangingPunct="1">
+              <a:buNone/>
+            </a:pPr>
+            <a:r>
+              <a:rPr lang="en-IN" sz="1600" dirty="0" smtClean="0">
+                <a:solidFill>
+                  <a:srgbClr val="0070C0"/>
+                </a:solidFill>
+              </a:rPr>
+              <a:t>	npm</a:t>
+            </a:r>
+            <a:r>
+              <a:rPr lang="en-IN" sz="1600" dirty="0" smtClean="0">
+                <a:solidFill>
+                  <a:srgbClr val="0070C0"/>
+                </a:solidFill>
+              </a:rPr>
+              <a:t> install -g @angular/cli@6.1.1</a:t>
+            </a:r>
           </a:p>
           <a:p>
             <a:pPr eaLnBrk="1" hangingPunct="1">

--- a/src/assets/ppt/Angular Traning_v2.pptx
+++ b/src/assets/ppt/Angular Traning_v2.pptx
@@ -361,7 +361,7 @@
               <a:pPr>
                 <a:defRPr/>
               </a:pPr>
-              <a:t>11/10/2020</a:t>
+              <a:t>11/8/2020</a:t>
             </a:fld>
             <a:endParaRPr lang="en-IN"/>
           </a:p>
@@ -553,7 +553,7 @@
               <a:pPr>
                 <a:defRPr/>
               </a:pPr>
-              <a:t>11/10/2020</a:t>
+              <a:t>11/8/2020</a:t>
             </a:fld>
             <a:endParaRPr lang="en-IN"/>
           </a:p>
@@ -755,7 +755,7 @@
               <a:pPr>
                 <a:defRPr/>
               </a:pPr>
-              <a:t>11/10/2020</a:t>
+              <a:t>11/8/2020</a:t>
             </a:fld>
             <a:endParaRPr lang="en-IN"/>
           </a:p>
@@ -947,7 +947,7 @@
               <a:pPr>
                 <a:defRPr/>
               </a:pPr>
-              <a:t>11/10/2020</a:t>
+              <a:t>11/8/2020</a:t>
             </a:fld>
             <a:endParaRPr lang="en-IN"/>
           </a:p>
@@ -1213,7 +1213,7 @@
               <a:pPr>
                 <a:defRPr/>
               </a:pPr>
-              <a:t>11/10/2020</a:t>
+              <a:t>11/8/2020</a:t>
             </a:fld>
             <a:endParaRPr lang="en-IN"/>
           </a:p>
@@ -1499,7 +1499,7 @@
               <a:pPr>
                 <a:defRPr/>
               </a:pPr>
-              <a:t>11/10/2020</a:t>
+              <a:t>11/8/2020</a:t>
             </a:fld>
             <a:endParaRPr lang="en-IN"/>
           </a:p>
@@ -1900,7 +1900,7 @@
               <a:pPr>
                 <a:defRPr/>
               </a:pPr>
-              <a:t>11/10/2020</a:t>
+              <a:t>11/8/2020</a:t>
             </a:fld>
             <a:endParaRPr lang="en-IN"/>
           </a:p>
@@ -2040,7 +2040,7 @@
               <a:pPr>
                 <a:defRPr/>
               </a:pPr>
-              <a:t>11/10/2020</a:t>
+              <a:t>11/8/2020</a:t>
             </a:fld>
             <a:endParaRPr lang="en-IN"/>
           </a:p>
@@ -2157,7 +2157,7 @@
               <a:pPr>
                 <a:defRPr/>
               </a:pPr>
-              <a:t>11/10/2020</a:t>
+              <a:t>11/8/2020</a:t>
             </a:fld>
             <a:endParaRPr lang="en-IN"/>
           </a:p>
@@ -2441,7 +2441,7 @@
               <a:pPr>
                 <a:defRPr/>
               </a:pPr>
-              <a:t>11/10/2020</a:t>
+              <a:t>11/8/2020</a:t>
             </a:fld>
             <a:endParaRPr lang="en-IN"/>
           </a:p>
@@ -2720,7 +2720,7 @@
               <a:pPr>
                 <a:defRPr/>
               </a:pPr>
-              <a:t>11/10/2020</a:t>
+              <a:t>11/8/2020</a:t>
             </a:fld>
             <a:endParaRPr lang="en-IN"/>
           </a:p>
@@ -2968,7 +2968,7 @@
               <a:pPr>
                 <a:defRPr/>
               </a:pPr>
-              <a:t>11/10/2020</a:t>
+              <a:t>11/8/2020</a:t>
             </a:fld>
             <a:endParaRPr lang="en-IN"/>
           </a:p>
@@ -3907,7 +3907,7 @@
               <a:t>To define module, we can use the </a:t>
             </a:r>
             <a:r>
-              <a:rPr lang="en-IN" sz="1600" b="1" dirty="0" smtClean="0"/>
+              <a:rPr lang="en-IN" sz="1600" b="1" dirty="0" err="1" smtClean="0"/>
               <a:t>NgModule</a:t>
             </a:r>
             <a:r>
@@ -3942,7 +3942,23 @@
                   <a:srgbClr val="0070C0"/>
                 </a:solidFill>
               </a:rPr>
-              <a:t>@NgModule({</a:t>
+              <a:t>@</a:t>
+            </a:r>
+            <a:r>
+              <a:rPr lang="en-IN" sz="1600" dirty="0" err="1" smtClean="0">
+                <a:solidFill>
+                  <a:srgbClr val="0070C0"/>
+                </a:solidFill>
+              </a:rPr>
+              <a:t>NgModule</a:t>
+            </a:r>
+            <a:r>
+              <a:rPr lang="en-IN" sz="1600" dirty="0" smtClean="0">
+                <a:solidFill>
+                  <a:srgbClr val="0070C0"/>
+                </a:solidFill>
+              </a:rPr>
+              <a:t>({</a:t>
             </a:r>
           </a:p>
           <a:p>
@@ -4234,12 +4250,12 @@
         <p:spPr>
           <a:xfrm>
             <a:off x="457200" y="642918"/>
-            <a:ext cx="8472518" cy="6000792"/>
+            <a:ext cx="8229600" cy="5929332"/>
           </a:xfrm>
         </p:spPr>
         <p:txBody>
           <a:bodyPr>
-            <a:normAutofit fontScale="92500" lnSpcReduction="10000"/>
+            <a:normAutofit/>
           </a:bodyPr>
           <a:lstStyle/>
           <a:p>
@@ -4305,21 +4321,8 @@
                   <a:srgbClr val="002060"/>
                 </a:solidFill>
               </a:rPr>
-              <a:t>Metadata </a:t>
-            </a:r>
-            <a:r>
-              <a:rPr lang="en-IN" sz="1600" b="1" u="sng" dirty="0" smtClean="0">
-                <a:solidFill>
-                  <a:srgbClr val="002060"/>
-                </a:solidFill>
-              </a:rPr>
-              <a:t> and Decorator </a:t>
-            </a:r>
-            <a:endParaRPr lang="en-IN" sz="1600" b="1" u="sng" dirty="0" smtClean="0">
-              <a:solidFill>
-                <a:srgbClr val="002060"/>
-              </a:solidFill>
-            </a:endParaRPr>
+              <a:t>Metadata</a:t>
+            </a:r>
           </a:p>
           <a:p>
             <a:pPr marL="548640" indent="-411480" eaLnBrk="1" fontAlgn="auto" hangingPunct="1">
@@ -4337,19 +4340,7 @@
             </a:pPr>
             <a:r>
               <a:rPr lang="en-IN" sz="1600" dirty="0" smtClean="0"/>
-              <a:t>Metadata is a way of processing the class and a component called </a:t>
-            </a:r>
-            <a:r>
-              <a:rPr lang="en-IN" sz="1600" dirty="0" smtClean="0"/>
-              <a:t>My Component </a:t>
-            </a:r>
-            <a:r>
-              <a:rPr lang="en-IN" sz="1600" dirty="0" smtClean="0"/>
-              <a:t>will act as </a:t>
-            </a:r>
-            <a:r>
-              <a:rPr lang="en-IN" sz="1600" dirty="0" smtClean="0"/>
-              <a:t>a class until we tell Angular that it's a component. User can use metadata to the class to tell Angular that My Component is a component. Metadata can be attached to TypeScript using a decorator.</a:t>
+              <a:t>Decorators are the metadata in Angular. It is used to enhance the class so it can configure the expected behavior of a class. Developers are the core concept of when developing with Angular. User can use metadata in a class to tell Angular app that app component is a component. Metadata can attach to the Typescript through the decorator. </a:t>
             </a:r>
           </a:p>
           <a:p>
@@ -4366,140 +4357,9 @@
               <a:buNone/>
               <a:defRPr/>
             </a:pPr>
-            <a:endParaRPr lang="en-IN" sz="1600" b="1" u="sng" dirty="0" smtClean="0">
-              <a:solidFill>
-                <a:srgbClr val="002060"/>
-              </a:solidFill>
-            </a:endParaRPr>
-          </a:p>
-          <a:p>
-            <a:pPr>
-              <a:buNone/>
-            </a:pPr>
             <a:r>
               <a:rPr lang="en-IN" sz="1600" dirty="0" smtClean="0"/>
-              <a:t> A </a:t>
-            </a:r>
-            <a:r>
-              <a:rPr lang="en-IN" sz="1600" b="1" dirty="0" smtClean="0"/>
-              <a:t>decorator</a:t>
-            </a:r>
-            <a:r>
-              <a:rPr lang="en-IN" sz="1600" dirty="0" smtClean="0"/>
-              <a:t> is a function that adds metadata to a class, its members, or its method arguments. A decorator is just a function that gives you access to the target that needs to be decorated</a:t>
-            </a:r>
-            <a:r>
-              <a:rPr lang="en-IN" sz="1600" dirty="0" smtClean="0"/>
-              <a:t>.</a:t>
-            </a:r>
-            <a:r>
-              <a:rPr lang="en-IN" sz="1600" dirty="0" smtClean="0"/>
-              <a:t> </a:t>
-            </a:r>
-            <a:endParaRPr lang="en-IN" sz="1600" dirty="0" smtClean="0"/>
-          </a:p>
-          <a:p>
-            <a:pPr>
-              <a:buNone/>
-            </a:pPr>
-            <a:r>
-              <a:rPr lang="en-IN" sz="1600" dirty="0" smtClean="0"/>
-              <a:t>There </a:t>
-            </a:r>
-            <a:r>
-              <a:rPr lang="en-IN" sz="1600" dirty="0" smtClean="0"/>
-              <a:t>are four type of decorators all of them </a:t>
-            </a:r>
-            <a:r>
-              <a:rPr lang="en-IN" sz="1600" dirty="0" smtClean="0"/>
-              <a:t>are </a:t>
-            </a:r>
-            <a:r>
-              <a:rPr lang="en-IN" sz="1600" dirty="0" smtClean="0"/>
-              <a:t>mentioned below</a:t>
-            </a:r>
-            <a:r>
-              <a:rPr lang="en-IN" sz="1600" dirty="0" smtClean="0"/>
-              <a:t> </a:t>
-            </a:r>
-          </a:p>
-          <a:p>
-            <a:pPr>
-              <a:buNone/>
-            </a:pPr>
-            <a:r>
-              <a:rPr lang="en-IN" sz="1600" b="1" dirty="0" smtClean="0"/>
-              <a:t>Types </a:t>
-            </a:r>
-            <a:r>
-              <a:rPr lang="en-IN" sz="1600" b="1" dirty="0" smtClean="0"/>
-              <a:t>of Decorators:</a:t>
-            </a:r>
-            <a:endParaRPr lang="en-IN" sz="1600" dirty="0" smtClean="0"/>
-          </a:p>
-          <a:p>
-            <a:r>
-              <a:rPr lang="en-IN" sz="1600" dirty="0" smtClean="0"/>
-              <a:t>Class decorators like @Component, @NgModule</a:t>
-            </a:r>
-          </a:p>
-          <a:p>
-            <a:r>
-              <a:rPr lang="en-IN" sz="1600" dirty="0" smtClean="0"/>
-              <a:t>Property decorators like @Input and @Output</a:t>
-            </a:r>
-          </a:p>
-          <a:p>
-            <a:r>
-              <a:rPr lang="en-IN" sz="1600" dirty="0" smtClean="0"/>
-              <a:t>Method decorators like @HostListener</a:t>
-            </a:r>
-          </a:p>
-          <a:p>
-            <a:r>
-              <a:rPr lang="en-IN" sz="1600" dirty="0" smtClean="0"/>
-              <a:t>Parameter decorators like @Injectable</a:t>
-            </a:r>
-          </a:p>
-          <a:p>
-            <a:pPr>
-              <a:buNone/>
-            </a:pPr>
-            <a:r>
-              <a:rPr lang="en-IN" sz="1600" b="1" dirty="0" smtClean="0"/>
-              <a:t>Features of Decorators:</a:t>
-            </a:r>
-            <a:endParaRPr lang="en-IN" sz="1600" dirty="0" smtClean="0"/>
-          </a:p>
-          <a:p>
-            <a:r>
-              <a:rPr lang="en-IN" sz="1600" dirty="0" smtClean="0"/>
-              <a:t>Decorators are predefined in </a:t>
-            </a:r>
-            <a:r>
-              <a:rPr lang="en-IN" sz="1600" dirty="0" smtClean="0"/>
-              <a:t>Angular.</a:t>
-            </a:r>
-            <a:endParaRPr lang="en-IN" sz="1600" dirty="0" smtClean="0"/>
-          </a:p>
-          <a:p>
-            <a:r>
-              <a:rPr lang="en-IN" sz="1600" dirty="0" smtClean="0"/>
-              <a:t>Decorators are used by TypeScript compiler.</a:t>
-            </a:r>
-          </a:p>
-          <a:p>
-            <a:r>
-              <a:rPr lang="en-IN" sz="1600" dirty="0" smtClean="0"/>
-              <a:t>Decorators are used to attach metadata to a </a:t>
-            </a:r>
-            <a:r>
-              <a:rPr lang="en-IN" sz="1600" dirty="0" smtClean="0"/>
-              <a:t>class, objects </a:t>
-            </a:r>
-            <a:r>
-              <a:rPr lang="en-IN" sz="1600" dirty="0" smtClean="0"/>
-              <a:t>and method.</a:t>
+              <a:t>Modules, components and services are classes that use decorators. These decorators mark their type and provide metadata that tells Angular how to use them.</a:t>
             </a:r>
           </a:p>
           <a:p>
@@ -4517,6 +4377,91 @@
               <a:defRPr/>
             </a:pPr>
             <a:endParaRPr lang="en-IN" sz="1600" dirty="0" smtClean="0"/>
+          </a:p>
+          <a:p>
+            <a:pPr marL="548640" indent="-411480" eaLnBrk="1" fontAlgn="auto" hangingPunct="1">
+              <a:spcAft>
+                <a:spcPts val="0"/>
+              </a:spcAft>
+              <a:buClr>
+                <a:schemeClr val="tx1">
+                  <a:shade val="95000"/>
+                </a:schemeClr>
+              </a:buClr>
+              <a:buFont typeface="Arial" charset="0"/>
+              <a:buNone/>
+              <a:defRPr/>
+            </a:pPr>
+            <a:r>
+              <a:rPr lang="en-IN" sz="1600" dirty="0" smtClean="0"/>
+              <a:t>The metadata for a component class associates it with a template that defines a view. A template combines ordinary HTML with Angular directives and binding markup that allow Angular to modify the HTML before rendering it for display.</a:t>
+            </a:r>
+          </a:p>
+          <a:p>
+            <a:pPr marL="548640" indent="-411480" eaLnBrk="1" fontAlgn="auto" hangingPunct="1">
+              <a:spcAft>
+                <a:spcPts val="0"/>
+              </a:spcAft>
+              <a:buClr>
+                <a:schemeClr val="tx1">
+                  <a:shade val="95000"/>
+                </a:schemeClr>
+              </a:buClr>
+              <a:buFont typeface="Arial" charset="0"/>
+              <a:buNone/>
+              <a:defRPr/>
+            </a:pPr>
+            <a:endParaRPr lang="en-IN" sz="1600" dirty="0" smtClean="0"/>
+          </a:p>
+          <a:p>
+            <a:pPr marL="548640" indent="-411480" eaLnBrk="1" fontAlgn="auto" hangingPunct="1">
+              <a:spcAft>
+                <a:spcPts val="0"/>
+              </a:spcAft>
+              <a:buClr>
+                <a:schemeClr val="tx1">
+                  <a:shade val="95000"/>
+                </a:schemeClr>
+              </a:buClr>
+              <a:buFont typeface="Arial" charset="0"/>
+              <a:buNone/>
+              <a:defRPr/>
+            </a:pPr>
+            <a:r>
+              <a:rPr lang="en-IN" sz="1600" dirty="0" smtClean="0"/>
+              <a:t>The metadata for a service class provides the information Angular needs to make it available to components through dependency injection (DI).</a:t>
+            </a:r>
+          </a:p>
+          <a:p>
+            <a:pPr marL="548640" indent="-411480" eaLnBrk="1" fontAlgn="auto" hangingPunct="1">
+              <a:spcAft>
+                <a:spcPts val="0"/>
+              </a:spcAft>
+              <a:buClr>
+                <a:schemeClr val="tx1">
+                  <a:shade val="95000"/>
+                </a:schemeClr>
+              </a:buClr>
+              <a:buFont typeface="Arial" charset="0"/>
+              <a:buNone/>
+              <a:defRPr/>
+            </a:pPr>
+            <a:r>
+              <a:rPr lang="en-IN" sz="1600" dirty="0" smtClean="0"/>
+              <a:t>e.g . </a:t>
+            </a:r>
+            <a:r>
+              <a:rPr lang="en-IN" sz="1600" dirty="0" smtClean="0">
+                <a:solidFill>
+                  <a:srgbClr val="002060"/>
+                </a:solidFill>
+              </a:rPr>
+              <a:t>@Component ,@Directive </a:t>
+            </a:r>
+            <a:r>
+              <a:rPr lang="en-IN" sz="1600" dirty="0" smtClean="0"/>
+              <a:t>etc</a:t>
+            </a:r>
           </a:p>
         </p:txBody>
       </p:sp>
@@ -6820,36 +6765,20 @@
               <a:buNone/>
             </a:pPr>
             <a:r>
-              <a:rPr lang="en-IN" sz="1600" dirty="0" smtClean="0">
-                <a:solidFill>
-                  <a:srgbClr val="0070C0"/>
-                </a:solidFill>
-              </a:rPr>
-              <a:t>import { Directive, </a:t>
-            </a:r>
-            <a:r>
-              <a:rPr lang="en-IN" sz="1600" dirty="0" err="1" smtClean="0">
-                <a:solidFill>
-                  <a:srgbClr val="0070C0"/>
-                </a:solidFill>
-              </a:rPr>
-              <a:t>ElementRef</a:t>
-            </a:r>
-            <a:r>
-              <a:rPr lang="en-IN" sz="1600" dirty="0" smtClean="0">
-                <a:solidFill>
-                  <a:srgbClr val="0070C0"/>
-                </a:solidFill>
-              </a:rPr>
-              <a:t>, HostListener } from '@angular/core';</a:t>
-            </a:r>
-          </a:p>
-          <a:p>
-            <a:pPr eaLnBrk="1" hangingPunct="1">
-              <a:buFont typeface="Arial" charset="0"/>
-              <a:buNone/>
-            </a:pPr>
-            <a:endParaRPr lang="en-IN" sz="1600" dirty="0" smtClean="0">
+              <a:rPr lang="en-IN" sz="1600" smtClean="0">
+                <a:solidFill>
+                  <a:srgbClr val="0070C0"/>
+                </a:solidFill>
+              </a:rPr>
+              <a:t>import { Directive, ElementRef, HostListener } from '@angular/core';</a:t>
+            </a:r>
+          </a:p>
+          <a:p>
+            <a:pPr eaLnBrk="1" hangingPunct="1">
+              <a:buFont typeface="Arial" charset="0"/>
+              <a:buNone/>
+            </a:pPr>
+            <a:endParaRPr lang="en-IN" sz="1600" smtClean="0">
               <a:solidFill>
                 <a:srgbClr val="0070C0"/>
               </a:solidFill>
@@ -6861,7 +6790,7 @@
               <a:buNone/>
             </a:pPr>
             <a:r>
-              <a:rPr lang="en-IN" sz="1600" dirty="0" smtClean="0">
+              <a:rPr lang="en-IN" sz="1600" smtClean="0">
                 <a:solidFill>
                   <a:srgbClr val="0070C0"/>
                 </a:solidFill>
@@ -6875,37 +6804,21 @@
               <a:buNone/>
             </a:pPr>
             <a:r>
-              <a:rPr lang="en-IN" sz="1600" dirty="0" smtClean="0">
-                <a:solidFill>
-                  <a:srgbClr val="0070C0"/>
-                </a:solidFill>
-              </a:rPr>
-              <a:t>  selector: '[</a:t>
-            </a:r>
-            <a:r>
-              <a:rPr lang="en-IN" sz="1600" dirty="0" err="1" smtClean="0">
-                <a:solidFill>
-                  <a:srgbClr val="0070C0"/>
-                </a:solidFill>
-              </a:rPr>
-              <a:t>appHighlight</a:t>
-            </a:r>
-            <a:r>
-              <a:rPr lang="en-IN" sz="1600" dirty="0" smtClean="0">
-                <a:solidFill>
-                  <a:srgbClr val="0070C0"/>
-                </a:solidFill>
-              </a:rPr>
-              <a:t>]'</a:t>
-            </a:r>
-          </a:p>
-          <a:p>
-            <a:pPr eaLnBrk="1" hangingPunct="1">
-              <a:buFont typeface="Arial" charset="0"/>
-              <a:buNone/>
-            </a:pPr>
-            <a:r>
-              <a:rPr lang="en-IN" sz="1600" dirty="0" smtClean="0">
+              <a:rPr lang="en-IN" sz="1600" smtClean="0">
+                <a:solidFill>
+                  <a:srgbClr val="0070C0"/>
+                </a:solidFill>
+              </a:rPr>
+              <a:t>  selector: '[appHighlight]'</a:t>
+            </a:r>
+          </a:p>
+          <a:p>
+            <a:pPr eaLnBrk="1" hangingPunct="1">
+              <a:buFont typeface="Arial" charset="0"/>
+              <a:buNone/>
+            </a:pPr>
+            <a:r>
+              <a:rPr lang="en-IN" sz="1600" smtClean="0">
                 <a:solidFill>
                   <a:srgbClr val="0070C0"/>
                 </a:solidFill>
@@ -6919,66 +6832,34 @@
               <a:buNone/>
             </a:pPr>
             <a:r>
-              <a:rPr lang="en-IN" sz="1600" dirty="0" smtClean="0">
-                <a:solidFill>
-                  <a:srgbClr val="0070C0"/>
-                </a:solidFill>
-              </a:rPr>
-              <a:t>export class </a:t>
-            </a:r>
-            <a:r>
-              <a:rPr lang="en-IN" sz="1600" dirty="0" err="1" smtClean="0">
-                <a:solidFill>
-                  <a:srgbClr val="0070C0"/>
-                </a:solidFill>
-              </a:rPr>
-              <a:t>HighlightDirective</a:t>
-            </a:r>
-            <a:r>
-              <a:rPr lang="en-IN" sz="1600" dirty="0" smtClean="0">
-                <a:solidFill>
-                  <a:srgbClr val="0070C0"/>
-                </a:solidFill>
-              </a:rPr>
-              <a:t> {</a:t>
-            </a:r>
-          </a:p>
-          <a:p>
-            <a:pPr eaLnBrk="1" hangingPunct="1">
-              <a:buFont typeface="Arial" charset="0"/>
-              <a:buNone/>
-            </a:pPr>
-            <a:r>
-              <a:rPr lang="en-IN" sz="1600" dirty="0" smtClean="0">
-                <a:solidFill>
-                  <a:srgbClr val="0070C0"/>
-                </a:solidFill>
-              </a:rPr>
-              <a:t>  constructor(private el: </a:t>
-            </a:r>
-            <a:r>
-              <a:rPr lang="en-IN" sz="1600" dirty="0" err="1" smtClean="0">
-                <a:solidFill>
-                  <a:srgbClr val="0070C0"/>
-                </a:solidFill>
-              </a:rPr>
-              <a:t>ElementRef</a:t>
-            </a:r>
-            <a:r>
-              <a:rPr lang="en-IN" sz="1600" dirty="0" smtClean="0">
-                <a:solidFill>
-                  <a:srgbClr val="0070C0"/>
-                </a:solidFill>
-              </a:rPr>
-              <a:t>) { }</a:t>
-            </a:r>
-          </a:p>
-          <a:p>
-            <a:pPr eaLnBrk="1" hangingPunct="1">
-              <a:buFont typeface="Arial" charset="0"/>
-              <a:buNone/>
-            </a:pPr>
-            <a:endParaRPr lang="en-IN" sz="1600" dirty="0" smtClean="0">
+              <a:rPr lang="en-IN" sz="1600" smtClean="0">
+                <a:solidFill>
+                  <a:srgbClr val="0070C0"/>
+                </a:solidFill>
+              </a:rPr>
+              <a:t>export class HighlightDirective {</a:t>
+            </a:r>
+          </a:p>
+          <a:p>
+            <a:pPr eaLnBrk="1" hangingPunct="1">
+              <a:buFont typeface="Arial" charset="0"/>
+              <a:buNone/>
+            </a:pPr>
+            <a:r>
+              <a:rPr lang="en-IN" sz="1600" smtClean="0">
+                <a:solidFill>
+                  <a:srgbClr val="0070C0"/>
+                </a:solidFill>
+              </a:rPr>
+              <a:t>  constructor(private el: ElementRef) { }</a:t>
+            </a:r>
+          </a:p>
+          <a:p>
+            <a:pPr eaLnBrk="1" hangingPunct="1">
+              <a:buFont typeface="Arial" charset="0"/>
+              <a:buNone/>
+            </a:pPr>
+            <a:endParaRPr lang="en-IN" sz="1600" smtClean="0">
               <a:solidFill>
                 <a:srgbClr val="0070C0"/>
               </a:solidFill>
@@ -6990,83 +6871,35 @@
               <a:buNone/>
             </a:pPr>
             <a:r>
-              <a:rPr lang="en-IN" sz="1600" dirty="0" smtClean="0">
-                <a:solidFill>
-                  <a:srgbClr val="0070C0"/>
-                </a:solidFill>
-              </a:rPr>
-              <a:t>  @HostListener('</a:t>
-            </a:r>
-            <a:r>
-              <a:rPr lang="en-IN" sz="1600" dirty="0" err="1" smtClean="0">
-                <a:solidFill>
-                  <a:srgbClr val="0070C0"/>
-                </a:solidFill>
-              </a:rPr>
-              <a:t>mouseenter</a:t>
-            </a:r>
-            <a:r>
-              <a:rPr lang="en-IN" sz="1600" dirty="0" smtClean="0">
-                <a:solidFill>
-                  <a:srgbClr val="0070C0"/>
-                </a:solidFill>
-              </a:rPr>
-              <a:t>') </a:t>
-            </a:r>
-            <a:r>
-              <a:rPr lang="en-IN" sz="1600" dirty="0" err="1" smtClean="0">
-                <a:solidFill>
-                  <a:srgbClr val="0070C0"/>
-                </a:solidFill>
-              </a:rPr>
-              <a:t>onMouseEnter</a:t>
-            </a:r>
-            <a:r>
-              <a:rPr lang="en-IN" sz="1600" dirty="0" smtClean="0">
-                <a:solidFill>
-                  <a:srgbClr val="0070C0"/>
-                </a:solidFill>
-              </a:rPr>
-              <a:t>() {</a:t>
-            </a:r>
-          </a:p>
-          <a:p>
-            <a:pPr eaLnBrk="1" hangingPunct="1">
-              <a:buFont typeface="Arial" charset="0"/>
-              <a:buNone/>
-            </a:pPr>
-            <a:r>
-              <a:rPr lang="en-IN" sz="1600" dirty="0" smtClean="0">
-                <a:solidFill>
-                  <a:srgbClr val="0070C0"/>
-                </a:solidFill>
-              </a:rPr>
-              <a:t>    </a:t>
-            </a:r>
-            <a:r>
-              <a:rPr lang="en-IN" sz="1600" dirty="0" err="1" smtClean="0">
-                <a:solidFill>
-                  <a:srgbClr val="0070C0"/>
-                </a:solidFill>
-              </a:rPr>
-              <a:t>this.highlight</a:t>
-            </a:r>
-            <a:r>
-              <a:rPr lang="en-IN" sz="1600" dirty="0" smtClean="0">
-                <a:solidFill>
-                  <a:srgbClr val="0070C0"/>
-                </a:solidFill>
-              </a:rPr>
-              <a:t>('yellow');</a:t>
-            </a:r>
-          </a:p>
-          <a:p>
-            <a:pPr eaLnBrk="1" hangingPunct="1">
-              <a:buFont typeface="Arial" charset="0"/>
-              <a:buNone/>
-            </a:pPr>
-            <a:r>
-              <a:rPr lang="en-IN" sz="1600" dirty="0" smtClean="0">
+              <a:rPr lang="en-IN" sz="1600" smtClean="0">
+                <a:solidFill>
+                  <a:srgbClr val="0070C0"/>
+                </a:solidFill>
+              </a:rPr>
+              <a:t>  @HostListener('mouseenter') onMouseEnter() {</a:t>
+            </a:r>
+          </a:p>
+          <a:p>
+            <a:pPr eaLnBrk="1" hangingPunct="1">
+              <a:buFont typeface="Arial" charset="0"/>
+              <a:buNone/>
+            </a:pPr>
+            <a:r>
+              <a:rPr lang="en-IN" sz="1600" smtClean="0">
+                <a:solidFill>
+                  <a:srgbClr val="0070C0"/>
+                </a:solidFill>
+              </a:rPr>
+              <a:t>    this.highlight('yellow');</a:t>
+            </a:r>
+          </a:p>
+          <a:p>
+            <a:pPr eaLnBrk="1" hangingPunct="1">
+              <a:buFont typeface="Arial" charset="0"/>
+              <a:buNone/>
+            </a:pPr>
+            <a:r>
+              <a:rPr lang="en-IN" sz="1600" smtClean="0">
                 <a:solidFill>
                   <a:srgbClr val="0070C0"/>
                 </a:solidFill>
@@ -7079,7 +6912,7 @@
               <a:buFont typeface="Arial" charset="0"/>
               <a:buNone/>
             </a:pPr>
-            <a:endParaRPr lang="en-IN" sz="1600" dirty="0" smtClean="0">
+            <a:endParaRPr lang="en-IN" sz="1600" smtClean="0">
               <a:solidFill>
                 <a:srgbClr val="0070C0"/>
               </a:solidFill>
@@ -7091,83 +6924,35 @@
               <a:buNone/>
             </a:pPr>
             <a:r>
-              <a:rPr lang="en-IN" sz="1600" dirty="0" smtClean="0">
-                <a:solidFill>
-                  <a:srgbClr val="0070C0"/>
-                </a:solidFill>
-              </a:rPr>
-              <a:t>  @HostListener('</a:t>
-            </a:r>
-            <a:r>
-              <a:rPr lang="en-IN" sz="1600" dirty="0" err="1" smtClean="0">
-                <a:solidFill>
-                  <a:srgbClr val="0070C0"/>
-                </a:solidFill>
-              </a:rPr>
-              <a:t>mouseleave</a:t>
-            </a:r>
-            <a:r>
-              <a:rPr lang="en-IN" sz="1600" dirty="0" smtClean="0">
-                <a:solidFill>
-                  <a:srgbClr val="0070C0"/>
-                </a:solidFill>
-              </a:rPr>
-              <a:t>') </a:t>
-            </a:r>
-            <a:r>
-              <a:rPr lang="en-IN" sz="1600" dirty="0" err="1" smtClean="0">
-                <a:solidFill>
-                  <a:srgbClr val="0070C0"/>
-                </a:solidFill>
-              </a:rPr>
-              <a:t>onMouseLeave</a:t>
-            </a:r>
-            <a:r>
-              <a:rPr lang="en-IN" sz="1600" dirty="0" smtClean="0">
-                <a:solidFill>
-                  <a:srgbClr val="0070C0"/>
-                </a:solidFill>
-              </a:rPr>
-              <a:t>() {</a:t>
-            </a:r>
-          </a:p>
-          <a:p>
-            <a:pPr eaLnBrk="1" hangingPunct="1">
-              <a:buFont typeface="Arial" charset="0"/>
-              <a:buNone/>
-            </a:pPr>
-            <a:r>
-              <a:rPr lang="en-IN" sz="1600" dirty="0" smtClean="0">
-                <a:solidFill>
-                  <a:srgbClr val="0070C0"/>
-                </a:solidFill>
-              </a:rPr>
-              <a:t>    </a:t>
-            </a:r>
-            <a:r>
-              <a:rPr lang="en-IN" sz="1600" dirty="0" err="1" smtClean="0">
-                <a:solidFill>
-                  <a:srgbClr val="0070C0"/>
-                </a:solidFill>
-              </a:rPr>
-              <a:t>this.highlight</a:t>
-            </a:r>
-            <a:r>
-              <a:rPr lang="en-IN" sz="1600" dirty="0" smtClean="0">
-                <a:solidFill>
-                  <a:srgbClr val="0070C0"/>
-                </a:solidFill>
-              </a:rPr>
-              <a:t>(null);</a:t>
-            </a:r>
-          </a:p>
-          <a:p>
-            <a:pPr eaLnBrk="1" hangingPunct="1">
-              <a:buFont typeface="Arial" charset="0"/>
-              <a:buNone/>
-            </a:pPr>
-            <a:r>
-              <a:rPr lang="en-IN" sz="1600" dirty="0" smtClean="0">
+              <a:rPr lang="en-IN" sz="1600" smtClean="0">
+                <a:solidFill>
+                  <a:srgbClr val="0070C0"/>
+                </a:solidFill>
+              </a:rPr>
+              <a:t>  @HostListener('mouseleave') onMouseLeave() {</a:t>
+            </a:r>
+          </a:p>
+          <a:p>
+            <a:pPr eaLnBrk="1" hangingPunct="1">
+              <a:buFont typeface="Arial" charset="0"/>
+              <a:buNone/>
+            </a:pPr>
+            <a:r>
+              <a:rPr lang="en-IN" sz="1600" smtClean="0">
+                <a:solidFill>
+                  <a:srgbClr val="0070C0"/>
+                </a:solidFill>
+              </a:rPr>
+              <a:t>    this.highlight(null);</a:t>
+            </a:r>
+          </a:p>
+          <a:p>
+            <a:pPr eaLnBrk="1" hangingPunct="1">
+              <a:buFont typeface="Arial" charset="0"/>
+              <a:buNone/>
+            </a:pPr>
+            <a:r>
+              <a:rPr lang="en-IN" sz="1600" smtClean="0">
                 <a:solidFill>
                   <a:srgbClr val="0070C0"/>
                 </a:solidFill>
@@ -7180,7 +6965,7 @@
               <a:buFont typeface="Arial" charset="0"/>
               <a:buNone/>
             </a:pPr>
-            <a:endParaRPr lang="en-IN" sz="1600" dirty="0" smtClean="0">
+            <a:endParaRPr lang="en-IN" sz="1600" smtClean="0">
               <a:solidFill>
                 <a:srgbClr val="0070C0"/>
               </a:solidFill>
@@ -7192,83 +6977,35 @@
               <a:buNone/>
             </a:pPr>
             <a:r>
-              <a:rPr lang="en-IN" sz="1600" dirty="0" smtClean="0">
-                <a:solidFill>
-                  <a:srgbClr val="0070C0"/>
-                </a:solidFill>
-              </a:rPr>
-              <a:t>  private highlight(</a:t>
-            </a:r>
-            <a:r>
-              <a:rPr lang="en-IN" sz="1600" dirty="0" err="1" smtClean="0">
-                <a:solidFill>
-                  <a:srgbClr val="0070C0"/>
-                </a:solidFill>
-              </a:rPr>
-              <a:t>color</a:t>
-            </a:r>
-            <a:r>
-              <a:rPr lang="en-IN" sz="1600" dirty="0" smtClean="0">
-                <a:solidFill>
-                  <a:srgbClr val="0070C0"/>
-                </a:solidFill>
-              </a:rPr>
-              <a:t>: string) {</a:t>
-            </a:r>
-          </a:p>
-          <a:p>
-            <a:pPr eaLnBrk="1" hangingPunct="1">
-              <a:buFont typeface="Arial" charset="0"/>
-              <a:buNone/>
-            </a:pPr>
-            <a:r>
-              <a:rPr lang="en-IN" sz="1600" dirty="0" smtClean="0">
-                <a:solidFill>
-                  <a:srgbClr val="0070C0"/>
-                </a:solidFill>
-              </a:rPr>
-              <a:t>    </a:t>
-            </a:r>
-            <a:r>
-              <a:rPr lang="en-IN" sz="1600" dirty="0" err="1" smtClean="0">
-                <a:solidFill>
-                  <a:srgbClr val="0070C0"/>
-                </a:solidFill>
-              </a:rPr>
-              <a:t>this.el.nativeElement.style.backgroundColor</a:t>
-            </a:r>
-            <a:r>
-              <a:rPr lang="en-IN" sz="1600" dirty="0" smtClean="0">
-                <a:solidFill>
-                  <a:srgbClr val="0070C0"/>
-                </a:solidFill>
-              </a:rPr>
-              <a:t> = </a:t>
-            </a:r>
-            <a:r>
-              <a:rPr lang="en-IN" sz="1600" dirty="0" err="1" smtClean="0">
-                <a:solidFill>
-                  <a:srgbClr val="0070C0"/>
-                </a:solidFill>
-              </a:rPr>
-              <a:t>color</a:t>
-            </a:r>
-            <a:r>
-              <a:rPr lang="en-IN" sz="1600" dirty="0" smtClean="0">
-                <a:solidFill>
-                  <a:srgbClr val="0070C0"/>
-                </a:solidFill>
-              </a:rPr>
-              <a:t>;</a:t>
-            </a:r>
-          </a:p>
-          <a:p>
-            <a:pPr eaLnBrk="1" hangingPunct="1">
-              <a:buFont typeface="Arial" charset="0"/>
-              <a:buNone/>
-            </a:pPr>
-            <a:r>
-              <a:rPr lang="en-IN" sz="1600" dirty="0" smtClean="0">
+              <a:rPr lang="en-IN" sz="1600" smtClean="0">
+                <a:solidFill>
+                  <a:srgbClr val="0070C0"/>
+                </a:solidFill>
+              </a:rPr>
+              <a:t>  private highlight(color: string) {</a:t>
+            </a:r>
+          </a:p>
+          <a:p>
+            <a:pPr eaLnBrk="1" hangingPunct="1">
+              <a:buFont typeface="Arial" charset="0"/>
+              <a:buNone/>
+            </a:pPr>
+            <a:r>
+              <a:rPr lang="en-IN" sz="1600" smtClean="0">
+                <a:solidFill>
+                  <a:srgbClr val="0070C0"/>
+                </a:solidFill>
+              </a:rPr>
+              <a:t>    this.el.nativeElement.style.backgroundColor = color;</a:t>
+            </a:r>
+          </a:p>
+          <a:p>
+            <a:pPr eaLnBrk="1" hangingPunct="1">
+              <a:buFont typeface="Arial" charset="0"/>
+              <a:buNone/>
+            </a:pPr>
+            <a:r>
+              <a:rPr lang="en-IN" sz="1600" smtClean="0">
                 <a:solidFill>
                   <a:srgbClr val="0070C0"/>
                 </a:solidFill>
@@ -7282,7 +7019,7 @@
               <a:buNone/>
             </a:pPr>
             <a:r>
-              <a:rPr lang="en-IN" sz="1600" dirty="0" smtClean="0">
+              <a:rPr lang="en-IN" sz="1600" smtClean="0">
                 <a:solidFill>
                   <a:srgbClr val="0070C0"/>
                 </a:solidFill>
@@ -7714,7 +7451,7 @@
                   <a:srgbClr val="0070C0"/>
                 </a:solidFill>
               </a:rPr>
-              <a:t>ConcatNames</a:t>
+              <a:t>ContcatNames</a:t>
             </a:r>
             <a:endParaRPr lang="en-IN" sz="1600" dirty="0" smtClean="0">
               <a:solidFill>
@@ -7733,15 +7470,11 @@
             </a:r>
             <a:r>
               <a:rPr lang="en-IN" sz="1600" dirty="0" err="1" smtClean="0"/>
-              <a:t>concat-names.pipe.ts</a:t>
+              <a:t>contcat-names.pipe.ts</a:t>
             </a:r>
             <a:r>
               <a:rPr lang="en-IN" sz="1600" dirty="0" smtClean="0"/>
-              <a:t> </a:t>
-            </a:r>
-            <a:r>
-              <a:rPr lang="en-IN" sz="1600" dirty="0" smtClean="0"/>
-              <a:t>file you will see below code:</a:t>
+              <a:t> file you will see below code:</a:t>
             </a:r>
           </a:p>
           <a:p>
@@ -7810,7 +7543,15 @@
                   <a:srgbClr val="0070C0"/>
                 </a:solidFill>
               </a:rPr>
-              <a:t>  name: </a:t>
+              <a:t>  name: '</a:t>
+            </a:r>
+            <a:r>
+              <a:rPr lang="en-IN" sz="1600" dirty="0" err="1" smtClean="0">
+                <a:solidFill>
+                  <a:srgbClr val="0070C0"/>
+                </a:solidFill>
+              </a:rPr>
+              <a:t>contcatNames</a:t>
             </a:r>
             <a:r>
               <a:rPr lang="en-IN" sz="1600" dirty="0" smtClean="0">
@@ -7820,73 +7561,49 @@
               </a:rPr>
               <a:t>'</a:t>
             </a:r>
+          </a:p>
+          <a:p>
+            <a:pPr eaLnBrk="1" hangingPunct="1">
+              <a:buFont typeface="Arial" charset="0"/>
+              <a:buNone/>
+            </a:pPr>
+            <a:r>
+              <a:rPr lang="en-IN" sz="1600" dirty="0" smtClean="0">
+                <a:solidFill>
+                  <a:srgbClr val="0070C0"/>
+                </a:solidFill>
+              </a:rPr>
+              <a:t>})</a:t>
+            </a:r>
+          </a:p>
+          <a:p>
+            <a:pPr eaLnBrk="1" hangingPunct="1">
+              <a:buFont typeface="Arial" charset="0"/>
+              <a:buNone/>
+            </a:pPr>
+            <a:r>
+              <a:rPr lang="en-IN" sz="1600" dirty="0" smtClean="0">
+                <a:solidFill>
+                  <a:srgbClr val="0070C0"/>
+                </a:solidFill>
+              </a:rPr>
+              <a:t>export class </a:t>
+            </a:r>
             <a:r>
               <a:rPr lang="en-IN" sz="1600" dirty="0" err="1" smtClean="0">
                 <a:solidFill>
                   <a:srgbClr val="0070C0"/>
                 </a:solidFill>
               </a:rPr>
-              <a:t>concatNames</a:t>
-            </a:r>
-            <a:r>
-              <a:rPr lang="en-IN" sz="1600" dirty="0" smtClean="0">
-                <a:solidFill>
-                  <a:srgbClr val="0070C0"/>
-                </a:solidFill>
-              </a:rPr>
-              <a:t>'</a:t>
-            </a:r>
-          </a:p>
-          <a:p>
-            <a:pPr eaLnBrk="1" hangingPunct="1">
-              <a:buFont typeface="Arial" charset="0"/>
-              <a:buNone/>
-            </a:pPr>
-            <a:r>
-              <a:rPr lang="en-IN" sz="1600" dirty="0" smtClean="0">
-                <a:solidFill>
-                  <a:srgbClr val="0070C0"/>
-                </a:solidFill>
-              </a:rPr>
-              <a:t>})</a:t>
-            </a:r>
-          </a:p>
-          <a:p>
-            <a:pPr eaLnBrk="1" hangingPunct="1">
-              <a:buFont typeface="Arial" charset="0"/>
-              <a:buNone/>
-            </a:pPr>
-            <a:r>
-              <a:rPr lang="en-IN" sz="1600" dirty="0" smtClean="0">
-                <a:solidFill>
-                  <a:srgbClr val="0070C0"/>
-                </a:solidFill>
-              </a:rPr>
-              <a:t>export class </a:t>
-            </a:r>
-            <a:r>
-              <a:rPr lang="en-IN" sz="1600" dirty="0" err="1" smtClean="0">
-                <a:solidFill>
-                  <a:srgbClr val="0070C0"/>
-                </a:solidFill>
-              </a:rPr>
-              <a:t>ConcatNamesPipe</a:t>
-            </a:r>
-            <a:r>
-              <a:rPr lang="en-IN" sz="1600" dirty="0" smtClean="0">
-                <a:solidFill>
-                  <a:srgbClr val="0070C0"/>
-                </a:solidFill>
-              </a:rPr>
-              <a:t> </a:t>
-            </a:r>
-            <a:r>
-              <a:rPr lang="en-IN" sz="1600" dirty="0" smtClean="0">
-                <a:solidFill>
-                  <a:srgbClr val="0070C0"/>
-                </a:solidFill>
-              </a:rPr>
-              <a:t>implements </a:t>
+              <a:t>ContcatNamesPipe</a:t>
+            </a:r>
+            <a:r>
+              <a:rPr lang="en-IN" sz="1600" dirty="0" smtClean="0">
+                <a:solidFill>
+                  <a:srgbClr val="0070C0"/>
+                </a:solidFill>
+              </a:rPr>
+              <a:t> implements </a:t>
             </a:r>
             <a:r>
               <a:rPr lang="en-IN" sz="1600" dirty="0" err="1" smtClean="0">
@@ -8042,15 +7759,7 @@
                   <a:srgbClr val="0070C0"/>
                 </a:solidFill>
               </a:rPr>
-              <a:t>concatNames</a:t>
-            </a:r>
-            <a:r>
-              <a:rPr lang="en-IN" sz="1600" dirty="0" err="1" smtClean="0">
-                <a:solidFill>
-                  <a:srgbClr val="0070C0"/>
-                </a:solidFill>
-              </a:rPr>
-              <a:t>:'firstName':'lastName</a:t>
+              <a:t>contcatNames:'firstName':'lastName</a:t>
             </a:r>
             <a:r>
               <a:rPr lang="en-IN" sz="1600" dirty="0" smtClean="0">
@@ -9104,7 +8813,23 @@
                   <a:srgbClr val="0070C0"/>
                 </a:solidFill>
               </a:rPr>
-              <a:t>@NgModule({</a:t>
+              <a:t>@</a:t>
+            </a:r>
+            <a:r>
+              <a:rPr lang="en-IN" sz="1600" dirty="0" err="1" smtClean="0">
+                <a:solidFill>
+                  <a:srgbClr val="0070C0"/>
+                </a:solidFill>
+              </a:rPr>
+              <a:t>NgModule</a:t>
+            </a:r>
+            <a:r>
+              <a:rPr lang="en-IN" sz="1600" dirty="0" smtClean="0">
+                <a:solidFill>
+                  <a:srgbClr val="0070C0"/>
+                </a:solidFill>
+              </a:rPr>
+              <a:t>({</a:t>
             </a:r>
           </a:p>
           <a:p>
@@ -9588,7 +9313,23 @@
                   <a:srgbClr val="0070C0"/>
                 </a:solidFill>
               </a:rPr>
-              <a:t>@NgModule({</a:t>
+              <a:t>@</a:t>
+            </a:r>
+            <a:r>
+              <a:rPr lang="en-IN" sz="1600" dirty="0" err="1" smtClean="0">
+                <a:solidFill>
+                  <a:srgbClr val="0070C0"/>
+                </a:solidFill>
+              </a:rPr>
+              <a:t>NgModule</a:t>
+            </a:r>
+            <a:r>
+              <a:rPr lang="en-IN" sz="1600" dirty="0" smtClean="0">
+                <a:solidFill>
+                  <a:srgbClr val="0070C0"/>
+                </a:solidFill>
+              </a:rPr>
+              <a:t>({</a:t>
             </a:r>
           </a:p>
           <a:p>
@@ -9996,15 +9737,15 @@
               <a:buNone/>
             </a:pPr>
             <a:r>
-              <a:rPr lang="en-IN" sz="1100" dirty="0" smtClean="0">
-                <a:solidFill>
-                  <a:srgbClr val="0070C0"/>
-                </a:solidFill>
-              </a:rPr>
-              <a:t>&lt;form #f="</a:t>
-            </a:r>
-            <a:r>
-              <a:rPr lang="en-IN" sz="1100" dirty="0" err="1" smtClean="0">
+              <a:rPr lang="en-IN" sz="1600" dirty="0" smtClean="0">
+                <a:solidFill>
+                  <a:srgbClr val="0070C0"/>
+                </a:solidFill>
+              </a:rPr>
+              <a:t> &lt;form #f="</a:t>
+            </a:r>
+            <a:r>
+              <a:rPr lang="en-IN" sz="1600" dirty="0" err="1" smtClean="0">
                 <a:solidFill>
                   <a:srgbClr val="0070C0"/>
                 </a:solidFill>
@@ -10012,7 +9753,7 @@
               <a:t>ngForm</a:t>
             </a:r>
             <a:r>
-              <a:rPr lang="en-IN" sz="1100" dirty="0" smtClean="0">
+              <a:rPr lang="en-IN" sz="1600" dirty="0" smtClean="0">
                 <a:solidFill>
                   <a:srgbClr val="0070C0"/>
                 </a:solidFill>
@@ -10020,7 +9761,7 @@
               <a:t>" (</a:t>
             </a:r>
             <a:r>
-              <a:rPr lang="en-IN" sz="1100" dirty="0" err="1" smtClean="0">
+              <a:rPr lang="en-IN" sz="1600" dirty="0" err="1" smtClean="0">
                 <a:solidFill>
                   <a:srgbClr val="0070C0"/>
                 </a:solidFill>
@@ -10028,7 +9769,7 @@
               <a:t>ngSubmit</a:t>
             </a:r>
             <a:r>
-              <a:rPr lang="en-IN" sz="1100" dirty="0" smtClean="0">
+              <a:rPr lang="en-IN" sz="1600" dirty="0" smtClean="0">
                 <a:solidFill>
                   <a:srgbClr val="0070C0"/>
                 </a:solidFill>
@@ -10036,7 +9777,7 @@
               <a:t>)="</a:t>
             </a:r>
             <a:r>
-              <a:rPr lang="en-IN" sz="1100" dirty="0" err="1" smtClean="0">
+              <a:rPr lang="en-IN" sz="1600" dirty="0" err="1" smtClean="0">
                 <a:solidFill>
                   <a:srgbClr val="0070C0"/>
                 </a:solidFill>
@@ -10044,7 +9785,7 @@
               <a:t>onSubmitForm</a:t>
             </a:r>
             <a:r>
-              <a:rPr lang="en-IN" sz="1100" dirty="0" smtClean="0">
+              <a:rPr lang="en-IN" sz="1600" dirty="0" smtClean="0">
                 <a:solidFill>
                   <a:srgbClr val="0070C0"/>
                 </a:solidFill>
@@ -10052,7 +9793,7 @@
               <a:t>()" </a:t>
             </a:r>
             <a:r>
-              <a:rPr lang="en-IN" sz="1100" dirty="0" err="1" smtClean="0">
+              <a:rPr lang="en-IN" sz="1600" dirty="0" err="1" smtClean="0">
                 <a:solidFill>
                   <a:srgbClr val="0070C0"/>
                 </a:solidFill>
@@ -10060,57 +9801,15 @@
               <a:t>novalidate</a:t>
             </a:r>
             <a:r>
-              <a:rPr lang="en-IN" sz="1100" dirty="0" smtClean="0">
-                <a:solidFill>
-                  <a:srgbClr val="0070C0"/>
-                </a:solidFill>
-              </a:rPr>
-              <a:t>&gt;</a:t>
-            </a:r>
-          </a:p>
-          <a:p>
-            <a:pPr eaLnBrk="1" hangingPunct="1">
-              <a:buFont typeface="Arial" charset="0"/>
-              <a:buNone/>
-            </a:pPr>
-            <a:r>
-              <a:rPr lang="en-IN" sz="1100" dirty="0" smtClean="0">
-                <a:solidFill>
-                  <a:srgbClr val="0070C0"/>
-                </a:solidFill>
-              </a:rPr>
-              <a:t>	&lt;div class="form-group"&gt;</a:t>
-            </a:r>
-          </a:p>
-          <a:p>
-            <a:pPr eaLnBrk="1" hangingPunct="1">
-              <a:buFont typeface="Arial" charset="0"/>
-              <a:buNone/>
-            </a:pPr>
-            <a:r>
-              <a:rPr lang="en-IN" sz="1100" dirty="0" smtClean="0">
-                <a:solidFill>
-                  <a:srgbClr val="0070C0"/>
-                </a:solidFill>
-              </a:rPr>
-              <a:t>		&lt;label for="username"&gt;Username&lt;/label&gt;</a:t>
-            </a:r>
-          </a:p>
-          <a:p>
-            <a:pPr eaLnBrk="1" hangingPunct="1">
-              <a:buFont typeface="Arial" charset="0"/>
-              <a:buNone/>
-            </a:pPr>
-            <a:r>
-              <a:rPr lang="en-IN" sz="1100" dirty="0" smtClean="0">
-                <a:solidFill>
-                  <a:srgbClr val="0070C0"/>
-                </a:solidFill>
-              </a:rPr>
-              <a:t>		&lt;input type="text"  [(</a:t>
-            </a:r>
-            <a:r>
-              <a:rPr lang="en-IN" sz="1100" dirty="0" err="1" smtClean="0">
+              <a:rPr lang="en-IN" sz="1600" dirty="0" smtClean="0">
+                <a:solidFill>
+                  <a:srgbClr val="0070C0"/>
+                </a:solidFill>
+              </a:rPr>
+              <a:t>&gt;                &lt;div class="form-group"&gt;                    &lt;label for="username"&gt;Username&lt;/label&gt;                    &lt;input type="text"  [(</a:t>
+            </a:r>
+            <a:r>
+              <a:rPr lang="en-IN" sz="1600" dirty="0" err="1" smtClean="0">
                 <a:solidFill>
                   <a:srgbClr val="0070C0"/>
                 </a:solidFill>
@@ -10118,7 +9817,7 @@
               <a:t>ngModel</a:t>
             </a:r>
             <a:r>
-              <a:rPr lang="en-IN" sz="1100" dirty="0" smtClean="0">
+              <a:rPr lang="en-IN" sz="1600" dirty="0" smtClean="0">
                 <a:solidFill>
                   <a:srgbClr val="0070C0"/>
                 </a:solidFill>
@@ -10126,7 +9825,7 @@
               <a:t>)]="</a:t>
             </a:r>
             <a:r>
-              <a:rPr lang="en-IN" sz="1100" dirty="0" err="1" smtClean="0">
+              <a:rPr lang="en-IN" sz="1600" dirty="0" err="1" smtClean="0">
                 <a:solidFill>
                   <a:srgbClr val="0070C0"/>
                 </a:solidFill>
@@ -10134,71 +9833,15 @@
               <a:t>user.username</a:t>
             </a:r>
             <a:r>
-              <a:rPr lang="en-IN" sz="1100" dirty="0" smtClean="0">
-                <a:solidFill>
-                  <a:srgbClr val="0070C0"/>
-                </a:solidFill>
-              </a:rPr>
-              <a:t>" name="username" class="form-control" required/&gt;</a:t>
-            </a:r>
-          </a:p>
-          <a:p>
-            <a:pPr eaLnBrk="1" hangingPunct="1">
-              <a:buFont typeface="Arial" charset="0"/>
-              <a:buNone/>
-            </a:pPr>
-            <a:r>
-              <a:rPr lang="en-IN" sz="1100" dirty="0" smtClean="0">
-                <a:solidFill>
-                  <a:srgbClr val="0070C0"/>
-                </a:solidFill>
-              </a:rPr>
-              <a:t>	&lt;/div&gt;</a:t>
-            </a:r>
-          </a:p>
-          <a:p>
-            <a:pPr eaLnBrk="1" hangingPunct="1">
-              <a:buFont typeface="Arial" charset="0"/>
-              <a:buNone/>
-            </a:pPr>
-            <a:r>
-              <a:rPr lang="en-IN" sz="1100" dirty="0" smtClean="0">
-                <a:solidFill>
-                  <a:srgbClr val="0070C0"/>
-                </a:solidFill>
-              </a:rPr>
-              <a:t>	&lt;div class="form-group"&gt;</a:t>
-            </a:r>
-          </a:p>
-          <a:p>
-            <a:pPr eaLnBrk="1" hangingPunct="1">
-              <a:buFont typeface="Arial" charset="0"/>
-              <a:buNone/>
-            </a:pPr>
-            <a:r>
-              <a:rPr lang="en-IN" sz="1100" dirty="0" smtClean="0">
-                <a:solidFill>
-                  <a:srgbClr val="0070C0"/>
-                </a:solidFill>
-              </a:rPr>
-              <a:t>		&lt;label for="password"&gt;Password&lt;/label&gt;</a:t>
-            </a:r>
-          </a:p>
-          <a:p>
-            <a:pPr eaLnBrk="1" hangingPunct="1">
-              <a:buFont typeface="Arial" charset="0"/>
-              <a:buNone/>
-            </a:pPr>
-            <a:r>
-              <a:rPr lang="en-IN" sz="1100" dirty="0" smtClean="0">
-                <a:solidFill>
-                  <a:srgbClr val="0070C0"/>
-                </a:solidFill>
-              </a:rPr>
-              <a:t>		&lt;input type="password" [(</a:t>
-            </a:r>
-            <a:r>
-              <a:rPr lang="en-IN" sz="1100" dirty="0" err="1" smtClean="0">
+              <a:rPr lang="en-IN" sz="1600" dirty="0" smtClean="0">
+                <a:solidFill>
+                  <a:srgbClr val="0070C0"/>
+                </a:solidFill>
+              </a:rPr>
+              <a:t>" name="username" class="form-control" required/&gt;                &lt;/div&gt;                &lt;div class="form-group"&gt;                    &lt;label for="password"&gt;Password&lt;/label&gt;                    &lt;input type="password" [(</a:t>
+            </a:r>
+            <a:r>
+              <a:rPr lang="en-IN" sz="1600" dirty="0" err="1" smtClean="0">
                 <a:solidFill>
                   <a:srgbClr val="0070C0"/>
                 </a:solidFill>
@@ -10206,7 +9849,7 @@
               <a:t>ngModel</a:t>
             </a:r>
             <a:r>
-              <a:rPr lang="en-IN" sz="1100" dirty="0" smtClean="0">
+              <a:rPr lang="en-IN" sz="1600" dirty="0" smtClean="0">
                 <a:solidFill>
                   <a:srgbClr val="0070C0"/>
                 </a:solidFill>
@@ -10214,7 +9857,7 @@
               <a:t>)]="</a:t>
             </a:r>
             <a:r>
-              <a:rPr lang="en-IN" sz="1100" dirty="0" err="1" smtClean="0">
+              <a:rPr lang="en-IN" sz="1600" dirty="0" err="1" smtClean="0">
                 <a:solidFill>
                   <a:srgbClr val="0070C0"/>
                 </a:solidFill>
@@ -10222,57 +9865,15 @@
               <a:t>user.password</a:t>
             </a:r>
             <a:r>
-              <a:rPr lang="en-IN" sz="1100" dirty="0" smtClean="0">
-                <a:solidFill>
-                  <a:srgbClr val="0070C0"/>
-                </a:solidFill>
-              </a:rPr>
-              <a:t>" name="password" class="form-control" required/&gt;</a:t>
-            </a:r>
-          </a:p>
-          <a:p>
-            <a:pPr eaLnBrk="1" hangingPunct="1">
-              <a:buFont typeface="Arial" charset="0"/>
-              <a:buNone/>
-            </a:pPr>
-            <a:r>
-              <a:rPr lang="en-IN" sz="1100" dirty="0" smtClean="0">
-                <a:solidFill>
-                  <a:srgbClr val="0070C0"/>
-                </a:solidFill>
-              </a:rPr>
-              <a:t>	&lt;/div&gt;</a:t>
-            </a:r>
-          </a:p>
-          <a:p>
-            <a:pPr eaLnBrk="1" hangingPunct="1">
-              <a:buFont typeface="Arial" charset="0"/>
-              <a:buNone/>
-            </a:pPr>
-            <a:r>
-              <a:rPr lang="en-IN" sz="1100" dirty="0" smtClean="0">
-                <a:solidFill>
-                  <a:srgbClr val="0070C0"/>
-                </a:solidFill>
-              </a:rPr>
-              <a:t>	&lt;div class="form-group"&gt;</a:t>
-            </a:r>
-          </a:p>
-          <a:p>
-            <a:pPr eaLnBrk="1" hangingPunct="1">
-              <a:buFont typeface="Arial" charset="0"/>
-              <a:buNone/>
-            </a:pPr>
-            <a:r>
-              <a:rPr lang="en-IN" sz="1100" dirty="0" smtClean="0">
-                <a:solidFill>
-                  <a:srgbClr val="0070C0"/>
-                </a:solidFill>
-              </a:rPr>
-              <a:t>		&lt;button type="submit" [disabled]="loading" class="</a:t>
-            </a:r>
-            <a:r>
-              <a:rPr lang="en-IN" sz="1100" dirty="0" err="1" smtClean="0">
+              <a:rPr lang="en-IN" sz="1600" dirty="0" smtClean="0">
+                <a:solidFill>
+                  <a:srgbClr val="0070C0"/>
+                </a:solidFill>
+              </a:rPr>
+              <a:t>" name="password" class="form-control" required/&gt;                &lt;/div&gt;                &lt;div class="form-group"&gt;                    &lt;button type="submit" [disabled]="loading" class="</a:t>
+            </a:r>
+            <a:r>
+              <a:rPr lang="en-IN" sz="1600" dirty="0" err="1" smtClean="0">
                 <a:solidFill>
                   <a:srgbClr val="0070C0"/>
                 </a:solidFill>
@@ -10280,7 +9881,7 @@
               <a:t>btn</a:t>
             </a:r>
             <a:r>
-              <a:rPr lang="en-IN" sz="1100" dirty="0" smtClean="0">
+              <a:rPr lang="en-IN" sz="1600" dirty="0" smtClean="0">
                 <a:solidFill>
                   <a:srgbClr val="0070C0"/>
                 </a:solidFill>
@@ -10288,7 +9889,7 @@
               <a:t> </a:t>
             </a:r>
             <a:r>
-              <a:rPr lang="en-IN" sz="1100" dirty="0" err="1" smtClean="0">
+              <a:rPr lang="en-IN" sz="1600" dirty="0" err="1" smtClean="0">
                 <a:solidFill>
                   <a:srgbClr val="0070C0"/>
                 </a:solidFill>
@@ -10296,7 +9897,7 @@
               <a:t>btn</a:t>
             </a:r>
             <a:r>
-              <a:rPr lang="en-IN" sz="1100" dirty="0" smtClean="0">
+              <a:rPr lang="en-IN" sz="1600" dirty="0" smtClean="0">
                 <a:solidFill>
                   <a:srgbClr val="0070C0"/>
                 </a:solidFill>
@@ -10304,7 +9905,7 @@
               <a:t>-primary"&gt;Login&lt;/button&gt; &amp;</a:t>
             </a:r>
             <a:r>
-              <a:rPr lang="en-IN" sz="1100" dirty="0" err="1" smtClean="0">
+              <a:rPr lang="en-IN" sz="1600" dirty="0" err="1" smtClean="0">
                 <a:solidFill>
                   <a:srgbClr val="0070C0"/>
                 </a:solidFill>
@@ -10312,7 +9913,7 @@
               <a:t>nbsp</a:t>
             </a:r>
             <a:r>
-              <a:rPr lang="en-IN" sz="1100" dirty="0" smtClean="0">
+              <a:rPr lang="en-IN" sz="1600" dirty="0" smtClean="0">
                 <a:solidFill>
                   <a:srgbClr val="0070C0"/>
                 </a:solidFill>
@@ -10320,7 +9921,7 @@
               <a:t>;&amp;</a:t>
             </a:r>
             <a:r>
-              <a:rPr lang="en-IN" sz="1100" dirty="0" err="1" smtClean="0">
+              <a:rPr lang="en-IN" sz="1600" dirty="0" err="1" smtClean="0">
                 <a:solidFill>
                   <a:srgbClr val="0070C0"/>
                 </a:solidFill>
@@ -10328,29 +9929,15 @@
               <a:t>nbsp</a:t>
             </a:r>
             <a:r>
-              <a:rPr lang="en-IN" sz="1100" dirty="0" smtClean="0">
-                <a:solidFill>
-                  <a:srgbClr val="0070C0"/>
-                </a:solidFill>
-              </a:rPr>
-              <a:t>;</a:t>
-            </a:r>
-          </a:p>
-          <a:p>
-            <a:pPr eaLnBrk="1" hangingPunct="1">
-              <a:buFont typeface="Arial" charset="0"/>
-              <a:buNone/>
-            </a:pPr>
-            <a:r>
-              <a:rPr lang="en-IN" sz="1100" dirty="0" smtClean="0">
-                <a:solidFill>
-                  <a:srgbClr val="0070C0"/>
-                </a:solidFill>
-              </a:rPr>
-              <a:t>		&lt;button [disabled]="loading" class="</a:t>
-            </a:r>
-            <a:r>
-              <a:rPr lang="en-IN" sz="1100" dirty="0" err="1" smtClean="0">
+              <a:rPr lang="en-IN" sz="1600" dirty="0" smtClean="0">
+                <a:solidFill>
+                  <a:srgbClr val="0070C0"/>
+                </a:solidFill>
+              </a:rPr>
+              <a:t>;                    &lt;button [disabled]="loading" class="</a:t>
+            </a:r>
+            <a:r>
+              <a:rPr lang="en-IN" sz="1600" dirty="0" err="1" smtClean="0">
                 <a:solidFill>
                   <a:srgbClr val="0070C0"/>
                 </a:solidFill>
@@ -10358,7 +9945,7 @@
               <a:t>btn</a:t>
             </a:r>
             <a:r>
-              <a:rPr lang="en-IN" sz="1100" dirty="0" smtClean="0">
+              <a:rPr lang="en-IN" sz="1600" dirty="0" smtClean="0">
                 <a:solidFill>
                   <a:srgbClr val="0070C0"/>
                 </a:solidFill>
@@ -10366,7 +9953,7 @@
               <a:t> </a:t>
             </a:r>
             <a:r>
-              <a:rPr lang="en-IN" sz="1100" dirty="0" err="1" smtClean="0">
+              <a:rPr lang="en-IN" sz="1600" dirty="0" err="1" smtClean="0">
                 <a:solidFill>
                   <a:srgbClr val="0070C0"/>
                 </a:solidFill>
@@ -10374,7 +9961,7 @@
               <a:t>btn</a:t>
             </a:r>
             <a:r>
-              <a:rPr lang="en-IN" sz="1100" dirty="0" smtClean="0">
+              <a:rPr lang="en-IN" sz="1600" dirty="0" smtClean="0">
                 <a:solidFill>
                   <a:srgbClr val="0070C0"/>
                 </a:solidFill>
@@ -10382,7 +9969,7 @@
               <a:t>-primary" (click)="</a:t>
             </a:r>
             <a:r>
-              <a:rPr lang="en-IN" sz="1100" dirty="0" err="1" smtClean="0">
+              <a:rPr lang="en-IN" sz="1600" dirty="0" err="1" smtClean="0">
                 <a:solidFill>
                   <a:srgbClr val="0070C0"/>
                 </a:solidFill>
@@ -10390,49 +9977,45 @@
               <a:t>onRegistration</a:t>
             </a:r>
             <a:r>
-              <a:rPr lang="en-IN" sz="1100" dirty="0" smtClean="0">
-                <a:solidFill>
-                  <a:srgbClr val="0070C0"/>
-                </a:solidFill>
-              </a:rPr>
-              <a:t>()"&gt;Registration&lt;/button&gt;</a:t>
-            </a:r>
-          </a:p>
-          <a:p>
-            <a:pPr eaLnBrk="1" hangingPunct="1">
-              <a:buFont typeface="Arial" charset="0"/>
-              <a:buNone/>
-            </a:pPr>
-            <a:r>
-              <a:rPr lang="en-IN" sz="1100" dirty="0" smtClean="0">
-                <a:solidFill>
-                  <a:srgbClr val="0070C0"/>
-                </a:solidFill>
-              </a:rPr>
-              <a:t>	&lt;/div&gt;</a:t>
-            </a:r>
-          </a:p>
-          <a:p>
-            <a:pPr eaLnBrk="1" hangingPunct="1">
-              <a:buFont typeface="Arial" charset="0"/>
-              <a:buNone/>
-            </a:pPr>
-            <a:r>
-              <a:rPr lang="en-IN" sz="1100" dirty="0" smtClean="0">
-                <a:solidFill>
-                  <a:srgbClr val="0070C0"/>
-                </a:solidFill>
-              </a:rPr>
-              <a:t> &lt;/form</a:t>
-            </a:r>
-            <a:r>
-              <a:rPr lang="en-IN" sz="1100" dirty="0" smtClean="0">
-                <a:solidFill>
-                  <a:srgbClr val="0070C0"/>
-                </a:solidFill>
-              </a:rPr>
-              <a:t>&gt;</a:t>
-            </a:r>
+              <a:rPr lang="en-IN" sz="1600" dirty="0" smtClean="0">
+                <a:solidFill>
+                  <a:srgbClr val="0070C0"/>
+                </a:solidFill>
+              </a:rPr>
+              <a:t>()"&gt;Registration&lt;/button&gt;                &lt;/div&gt;       </a:t>
+            </a:r>
+            <a:endParaRPr lang="en-IN" sz="1600" dirty="0" smtClean="0">
+              <a:solidFill>
+                <a:srgbClr val="0070C0"/>
+              </a:solidFill>
+            </a:endParaRPr>
+          </a:p>
+          <a:p>
+            <a:pPr eaLnBrk="1" hangingPunct="1">
+              <a:buFont typeface="Arial" charset="0"/>
+              <a:buNone/>
+            </a:pPr>
+            <a:r>
+              <a:rPr lang="en-IN" sz="1600" dirty="0" smtClean="0">
+                <a:solidFill>
+                  <a:srgbClr val="0070C0"/>
+                </a:solidFill>
+              </a:rPr>
+              <a:t> </a:t>
+            </a:r>
+            <a:r>
+              <a:rPr lang="en-IN" sz="1600" dirty="0" smtClean="0">
+                <a:solidFill>
+                  <a:srgbClr val="0070C0"/>
+                </a:solidFill>
+              </a:rPr>
+              <a:t>&lt;/form&gt;</a:t>
+            </a:r>
+            <a:endParaRPr lang="en-IN" sz="1600" dirty="0" smtClean="0">
+              <a:solidFill>
+                <a:srgbClr val="0070C0"/>
+              </a:solidFill>
+            </a:endParaRPr>
           </a:p>
           <a:p>
             <a:pPr eaLnBrk="1" hangingPunct="1">
@@ -10441,11 +10024,7 @@
             </a:pPr>
             <a:r>
               <a:rPr lang="en-IN" sz="1600" dirty="0" smtClean="0"/>
-              <a:t>We </a:t>
-            </a:r>
-            <a:r>
-              <a:rPr lang="en-IN" sz="1600" dirty="0" smtClean="0"/>
-              <a:t>have created a simple form with input tags having email id, password and the submit button. We have assigned type, name, and placeholder to it.</a:t>
+              <a:t>We have created a simple form with input tags having email id, password and the submit button. We have assigned type, name, and placeholder to it.</a:t>
             </a:r>
           </a:p>
           <a:p>
@@ -10479,7 +10058,15 @@
             </a:r>
             <a:r>
               <a:rPr lang="en-IN" sz="1600" dirty="0" smtClean="0"/>
-              <a:t> and password, we need to add the </a:t>
+              <a:t> </a:t>
+            </a:r>
+            <a:r>
+              <a:rPr lang="en-IN" sz="1600" dirty="0" smtClean="0"/>
+              <a:t>and password, </a:t>
+            </a:r>
+            <a:r>
+              <a:rPr lang="en-IN" sz="1600" dirty="0" smtClean="0"/>
+              <a:t>we need to add the </a:t>
             </a:r>
             <a:r>
               <a:rPr lang="en-IN" sz="1600" dirty="0" err="1" smtClean="0"/>
@@ -10663,6 +10250,7 @@
               <a:rPr lang="en-IN" sz="900" dirty="0" smtClean="0"/>
               <a:t> and fetch the values entered in the form.</a:t>
             </a:r>
+            <a:endParaRPr lang="en-IN" sz="900" dirty="0" smtClean="0"/>
           </a:p>
           <a:p>
             <a:pPr marL="548640" indent="-411480" eaLnBrk="1" fontAlgn="auto" hangingPunct="1">
@@ -12105,11 +11693,19 @@
             </a:r>
             <a:r>
               <a:rPr lang="en-IN" sz="1600" dirty="0" err="1" smtClean="0"/>
-              <a:t>login.component.ts</a:t>
+              <a:t>login</a:t>
+            </a:r>
+            <a:r>
+              <a:rPr lang="en-IN" sz="1600" dirty="0" err="1" smtClean="0"/>
+              <a:t>.component.ts</a:t>
             </a:r>
             <a:r>
               <a:rPr lang="en-IN" sz="1600" dirty="0" smtClean="0"/>
-              <a:t> file, we have defined the function </a:t>
+              <a:t> </a:t>
+            </a:r>
+            <a:r>
+              <a:rPr lang="en-IN" sz="1600" dirty="0" smtClean="0"/>
+              <a:t>file, we have defined the function </a:t>
             </a:r>
             <a:r>
               <a:rPr lang="en-IN" sz="1600" dirty="0" err="1" smtClean="0"/>
@@ -12117,7 +11713,11 @@
             </a:r>
             <a:r>
               <a:rPr lang="en-IN" sz="1600" dirty="0" smtClean="0"/>
-              <a:t>. When you click on the form submit button, the control will come to the above function.</a:t>
+              <a:t>. </a:t>
+            </a:r>
+            <a:r>
+              <a:rPr lang="en-IN" sz="1600" dirty="0" smtClean="0"/>
+              <a:t>When you click on the form submit button, the control will come to the above function.</a:t>
             </a:r>
           </a:p>
           <a:p>
@@ -12327,7 +11927,23 @@
                   <a:srgbClr val="0070C0"/>
                 </a:solidFill>
               </a:rPr>
-              <a:t>@NgModule({</a:t>
+              <a:t>@</a:t>
+            </a:r>
+            <a:r>
+              <a:rPr lang="en-IN" sz="1600" dirty="0" err="1" smtClean="0">
+                <a:solidFill>
+                  <a:srgbClr val="0070C0"/>
+                </a:solidFill>
+              </a:rPr>
+              <a:t>NgModule</a:t>
+            </a:r>
+            <a:r>
+              <a:rPr lang="en-IN" sz="1600" dirty="0" smtClean="0">
+                <a:solidFill>
+                  <a:srgbClr val="0070C0"/>
+                </a:solidFill>
+              </a:rPr>
+              <a:t>({</a:t>
             </a:r>
           </a:p>
           <a:p>
@@ -12514,7 +12130,11 @@
             </a:r>
             <a:r>
               <a:rPr lang="en-IN" sz="1600" dirty="0" err="1" smtClean="0"/>
-              <a:t>login.component.ts</a:t>
+              <a:t>login</a:t>
+            </a:r>
+            <a:r>
+              <a:rPr lang="en-IN" sz="1600" dirty="0" err="1" smtClean="0"/>
+              <a:t>.component.ts</a:t>
             </a:r>
             <a:r>
               <a:rPr lang="en-IN" sz="1600" dirty="0" smtClean="0"/>
@@ -12820,6 +12440,11 @@
               </a:rPr>
               <a:t> </a:t>
             </a:r>
+            <a:endParaRPr lang="en-IN" sz="1600" dirty="0" smtClean="0">
+              <a:solidFill>
+                <a:srgbClr val="0070C0"/>
+              </a:solidFill>
+            </a:endParaRPr>
           </a:p>
           <a:p>
             <a:pPr marL="548640" indent="-411480" eaLnBrk="1" fontAlgn="auto" hangingPunct="1">
@@ -12849,7 +12474,15 @@
                   <a:srgbClr val="0070C0"/>
                 </a:solidFill>
               </a:rPr>
-              <a:t> = </a:t>
+              <a:t> </a:t>
+            </a:r>
+            <a:r>
+              <a:rPr lang="en-IN" sz="1600" dirty="0" smtClean="0">
+                <a:solidFill>
+                  <a:srgbClr val="0070C0"/>
+                </a:solidFill>
+              </a:rPr>
+              <a:t>= </a:t>
             </a:r>
             <a:r>
               <a:rPr lang="en-IN" sz="1600" dirty="0" err="1" smtClean="0">
@@ -12966,7 +12599,15 @@
                   <a:srgbClr val="0070C0"/>
                 </a:solidFill>
               </a:rPr>
-              <a:t>      });</a:t>
+              <a:t>      </a:t>
+            </a:r>
+            <a:r>
+              <a:rPr lang="en-IN" sz="1600" dirty="0" smtClean="0">
+                <a:solidFill>
+                  <a:srgbClr val="0070C0"/>
+                </a:solidFill>
+              </a:rPr>
+              <a:t>});</a:t>
             </a:r>
           </a:p>
           <a:p>
@@ -13295,6 +12936,11 @@
               </a:rPr>
               <a:t>}</a:t>
             </a:r>
+            <a:endParaRPr lang="en-IN" sz="1600" dirty="0" smtClean="0">
+              <a:solidFill>
+                <a:srgbClr val="0070C0"/>
+              </a:solidFill>
+            </a:endParaRPr>
           </a:p>
         </p:txBody>
       </p:sp>
@@ -13479,7 +13125,11 @@
             </a:r>
             <a:r>
               <a:rPr lang="en-IN" sz="1600" dirty="0" smtClean="0"/>
-              <a:t> to initialize the form values; we need to use the same in the form UI  </a:t>
+              <a:t> to initialize the form values; we need to use the same in the form UI </a:t>
+            </a:r>
+            <a:r>
+              <a:rPr lang="en-IN" sz="1600" dirty="0" smtClean="0"/>
+              <a:t> </a:t>
             </a:r>
             <a:r>
               <a:rPr lang="en-IN" sz="1600" dirty="0" err="1" smtClean="0"/>
@@ -13489,6 +13139,7 @@
               <a:rPr lang="en-IN" sz="1600" dirty="0" smtClean="0"/>
               <a:t>.</a:t>
             </a:r>
+            <a:endParaRPr lang="en-IN" sz="1600" dirty="0" smtClean="0"/>
           </a:p>
           <a:p>
             <a:pPr marL="548640" indent="-411480" eaLnBrk="1" fontAlgn="auto" hangingPunct="1">
@@ -14365,6 +14016,11 @@
               </a:rPr>
               <a:t>        &lt;/form&gt;</a:t>
             </a:r>
+            <a:endParaRPr lang="en-IN" sz="1600" dirty="0" smtClean="0">
+              <a:solidFill>
+                <a:srgbClr val="0070C0"/>
+              </a:solidFill>
+            </a:endParaRPr>
           </a:p>
         </p:txBody>
       </p:sp>
@@ -15136,7 +14792,23 @@
                   <a:srgbClr val="0070C0"/>
                 </a:solidFill>
               </a:rPr>
-              <a:t>@NgModule({</a:t>
+              <a:t>@</a:t>
+            </a:r>
+            <a:r>
+              <a:rPr lang="en-IN" sz="1800" dirty="0" err="1" smtClean="0">
+                <a:solidFill>
+                  <a:srgbClr val="0070C0"/>
+                </a:solidFill>
+              </a:rPr>
+              <a:t>NgModule</a:t>
+            </a:r>
+            <a:r>
+              <a:rPr lang="en-IN" sz="1800" dirty="0" smtClean="0">
+                <a:solidFill>
+                  <a:srgbClr val="0070C0"/>
+                </a:solidFill>
+              </a:rPr>
+              <a:t>({</a:t>
             </a:r>
           </a:p>
           <a:p>
@@ -17960,142 +17632,73 @@
             <p:ph idx="1"/>
           </p:nvPr>
         </p:nvSpPr>
-        <p:spPr>
-          <a:xfrm>
-            <a:off x="457200" y="785794"/>
-            <a:ext cx="8229600" cy="5522931"/>
-          </a:xfrm>
-        </p:spPr>
+        <p:spPr/>
         <p:txBody>
           <a:bodyPr/>
           <a:lstStyle/>
           <a:p>
             <a:pPr eaLnBrk="1" hangingPunct="1"/>
             <a:r>
-              <a:rPr lang="en-IN" sz="1600" u="sng" dirty="0" smtClean="0">
+              <a:rPr lang="en-IN" sz="2000" u="sng" dirty="0" smtClean="0">
                 <a:hlinkClick r:id="rId2"/>
               </a:rPr>
               <a:t>https://nodejs.org/en/download/</a:t>
             </a:r>
-            <a:endParaRPr lang="en-IN" sz="1600" u="sng" dirty="0" smtClean="0"/>
+            <a:endParaRPr lang="en-IN" sz="2000" u="sng" dirty="0" smtClean="0"/>
           </a:p>
           <a:p>
             <a:pPr eaLnBrk="1" hangingPunct="1"/>
             <a:r>
-              <a:rPr lang="en-IN" sz="1600" u="sng" dirty="0" smtClean="0">
+              <a:rPr lang="en-IN" sz="2000" u="sng" dirty="0" smtClean="0">
                 <a:hlinkClick r:id="rId3"/>
               </a:rPr>
               <a:t>https://angular.io/</a:t>
             </a:r>
-            <a:endParaRPr lang="en-IN" sz="1600" u="sng" dirty="0" smtClean="0"/>
+            <a:endParaRPr lang="en-IN" sz="2000" u="sng" dirty="0" smtClean="0"/>
           </a:p>
           <a:p>
             <a:pPr eaLnBrk="1" hangingPunct="1"/>
             <a:r>
-              <a:rPr lang="en-IN" sz="1600" dirty="0" smtClean="0">
+              <a:rPr lang="en-IN" sz="2000" dirty="0" smtClean="0">
                 <a:hlinkClick r:id="rId4"/>
               </a:rPr>
               <a:t>https://www.npmjs.com/</a:t>
             </a:r>
-            <a:endParaRPr lang="en-IN" sz="1600" dirty="0" smtClean="0"/>
+            <a:endParaRPr lang="en-IN" sz="2000" dirty="0" smtClean="0"/>
           </a:p>
           <a:p>
             <a:pPr eaLnBrk="1" hangingPunct="1"/>
             <a:r>
-              <a:rPr lang="en-IN" sz="1600" u="sng" dirty="0" smtClean="0">
+              <a:rPr lang="en-IN" sz="2000" u="sng" dirty="0" smtClean="0">
                 <a:hlinkClick r:id="rId5"/>
               </a:rPr>
               <a:t>https://www.tutorialspoint.com/angular4/index.htm</a:t>
             </a:r>
-            <a:endParaRPr lang="en-IN" sz="1600" u="sng" dirty="0" smtClean="0"/>
+            <a:endParaRPr lang="en-IN" sz="2000" u="sng" dirty="0" smtClean="0"/>
           </a:p>
           <a:p>
             <a:pPr eaLnBrk="1" hangingPunct="1"/>
             <a:r>
-              <a:rPr lang="en-IN" sz="1600" u="sng" dirty="0" smtClean="0">
+              <a:rPr lang="en-IN" sz="2000" u="sng" dirty="0" smtClean="0">
                 <a:hlinkClick r:id="rId6"/>
               </a:rPr>
               <a:t>https://www.pluralsight.com/guides/difference-between-template-driven-and-reactive-forms-angular</a:t>
             </a:r>
-            <a:endParaRPr lang="en-IN" sz="1600" u="sng" dirty="0" smtClean="0"/>
+            <a:endParaRPr lang="en-IN" sz="2000" u="sng" dirty="0" smtClean="0"/>
           </a:p>
           <a:p>
             <a:pPr eaLnBrk="1" hangingPunct="1"/>
             <a:r>
-              <a:rPr lang="en-IN" sz="1600" u="sng" dirty="0" smtClean="0">
+              <a:rPr lang="en-IN" sz="2000" u="sng" dirty="0" smtClean="0">
                 <a:hlinkClick r:id="rId7"/>
               </a:rPr>
-              <a:t>https://www.tutorialandexample.com/angular-8-architecture</a:t>
-            </a:r>
-            <a:r>
-              <a:rPr lang="en-IN" sz="1600" u="sng" dirty="0" smtClean="0">
-                <a:hlinkClick r:id="rId7"/>
-              </a:rPr>
-              <a:t>/</a:t>
-            </a:r>
-            <a:endParaRPr lang="en-IN" sz="1600" u="sng" dirty="0" smtClean="0"/>
+              <a:t>https://www.tutorialandexample.com/angular-8-architecture/</a:t>
+            </a:r>
+            <a:endParaRPr lang="en-IN" sz="2000" u="sng" dirty="0" smtClean="0"/>
           </a:p>
           <a:p>
             <a:pPr eaLnBrk="1" hangingPunct="1"/>
-            <a:r>
-              <a:rPr lang="en-IN" sz="1600" u="sng" dirty="0" smtClean="0"/>
-              <a:t>https://www.primefaces.org/primeng/v6.1.7</a:t>
-            </a:r>
-            <a:r>
-              <a:rPr lang="en-IN" sz="1600" u="sng" dirty="0" smtClean="0"/>
-              <a:t>/#/</a:t>
-            </a:r>
-            <a:endParaRPr lang="en-IN" sz="1600" u="sng" dirty="0" smtClean="0"/>
-          </a:p>
-          <a:p>
-            <a:pPr eaLnBrk="1" hangingPunct="1"/>
-            <a:r>
-              <a:rPr lang="en-IN" sz="1600" u="sng" dirty="0" smtClean="0"/>
-              <a:t>https://getbootstrap.com/docs/4.5/getting-started/introduction</a:t>
-            </a:r>
-            <a:r>
-              <a:rPr lang="en-IN" sz="1600" u="sng" dirty="0" smtClean="0"/>
-              <a:t>/</a:t>
-            </a:r>
-            <a:endParaRPr lang="en-IN" sz="1600" u="sng" dirty="0" smtClean="0"/>
-          </a:p>
-          <a:p>
-            <a:pPr eaLnBrk="1" hangingPunct="1"/>
-            <a:r>
-              <a:rPr lang="en-IN" sz="1600" u="sng" dirty="0" smtClean="0"/>
-              <a:t>https://fontawesome.com/v4.7.0</a:t>
-            </a:r>
-            <a:r>
-              <a:rPr lang="en-IN" sz="1600" u="sng" dirty="0" smtClean="0"/>
-              <a:t>/</a:t>
-            </a:r>
-            <a:endParaRPr lang="en-IN" sz="1600" u="sng" dirty="0" smtClean="0"/>
-          </a:p>
-          <a:p>
-            <a:pPr eaLnBrk="1" hangingPunct="1"/>
-            <a:r>
-              <a:rPr lang="en-IN" sz="1600" u="sng" dirty="0" smtClean="0"/>
-              <a:t>https://www.ag-grid.com</a:t>
-            </a:r>
-            <a:r>
-              <a:rPr lang="en-IN" sz="1600" u="sng" dirty="0" smtClean="0"/>
-              <a:t>/</a:t>
-            </a:r>
-            <a:endParaRPr lang="en-IN" sz="1600" u="sng" dirty="0" smtClean="0"/>
-          </a:p>
-          <a:p>
-            <a:pPr eaLnBrk="1" hangingPunct="1"/>
-            <a:r>
-              <a:rPr lang="en-IN" sz="1600" u="sng" dirty="0" smtClean="0"/>
-              <a:t>https://underscorejs.org/</a:t>
-            </a:r>
-            <a:endParaRPr lang="en-IN" sz="1600" u="sng" dirty="0" smtClean="0"/>
-          </a:p>
-          <a:p>
-            <a:pPr eaLnBrk="1" hangingPunct="1">
-              <a:buNone/>
-            </a:pPr>
-            <a:endParaRPr lang="en-IN" sz="1600" u="sng" dirty="0" smtClean="0"/>
+            <a:endParaRPr lang="en-IN" sz="2000" u="sng" dirty="0" smtClean="0"/>
           </a:p>
         </p:txBody>
       </p:sp>
@@ -19212,15 +18815,7 @@
                   <a:srgbClr val="0070C0"/>
                 </a:solidFill>
               </a:rPr>
-              <a:t>	npm install -g @</a:t>
-            </a:r>
-            <a:r>
-              <a:rPr lang="en-IN" sz="1600" dirty="0" smtClean="0">
-                <a:solidFill>
-                  <a:srgbClr val="0070C0"/>
-                </a:solidFill>
-              </a:rPr>
-              <a:t>angular/</a:t>
+              <a:t>	npm install -g @angular/</a:t>
             </a:r>
             <a:r>
               <a:rPr lang="en-IN" sz="1600" dirty="0" err="1" smtClean="0">
@@ -19235,27 +18830,6 @@
                 <a:srgbClr val="0070C0"/>
               </a:solidFill>
             </a:endParaRPr>
-          </a:p>
-          <a:p>
-            <a:pPr eaLnBrk="1" hangingPunct="1">
-              <a:buNone/>
-            </a:pPr>
-            <a:r>
-              <a:rPr lang="en-IN" sz="1600" dirty="0" smtClean="0">
-                <a:solidFill>
-                  <a:srgbClr val="0070C0"/>
-                </a:solidFill>
-              </a:rPr>
-              <a:t>	npm</a:t>
-            </a:r>
-            <a:r>
-              <a:rPr lang="en-IN" sz="1600" dirty="0" smtClean="0">
-                <a:solidFill>
-                  <a:srgbClr val="0070C0"/>
-                </a:solidFill>
-              </a:rPr>
-              <a:t> install -g @angular/cli@6.1.1</a:t>
-            </a:r>
           </a:p>
           <a:p>
             <a:pPr eaLnBrk="1" hangingPunct="1">
